--- a/ppt/1.html/html.pptx
+++ b/ppt/1.html/html.pptx
@@ -209,7 +209,7 @@
           <a:p>
             <a:fld id="{1CDF96B7-1FB1-4136-9FA3-AF115D3BBAB7}" type="datetimeFigureOut">
               <a:rPr lang="en-US" smtClean="0"/>
-              <a:t>10/5/2025</a:t>
+              <a:t>10/8/2025</a:t>
             </a:fld>
             <a:endParaRPr lang="en-US"/>
           </a:p>
@@ -1663,7 +1663,7 @@
           <a:p>
             <a:fld id="{6F24E30B-A555-4310-8311-9C6BAEA5F886}" type="datetimeFigureOut">
               <a:rPr lang="en-US" smtClean="0"/>
-              <a:t>10/5/2025</a:t>
+              <a:t>10/8/2025</a:t>
             </a:fld>
             <a:endParaRPr lang="en-US"/>
           </a:p>
@@ -1833,7 +1833,7 @@
           <a:p>
             <a:fld id="{6F24E30B-A555-4310-8311-9C6BAEA5F886}" type="datetimeFigureOut">
               <a:rPr lang="en-US" smtClean="0"/>
-              <a:t>10/5/2025</a:t>
+              <a:t>10/8/2025</a:t>
             </a:fld>
             <a:endParaRPr lang="en-US"/>
           </a:p>
@@ -2013,7 +2013,7 @@
           <a:p>
             <a:fld id="{6F24E30B-A555-4310-8311-9C6BAEA5F886}" type="datetimeFigureOut">
               <a:rPr lang="en-US" smtClean="0"/>
-              <a:t>10/5/2025</a:t>
+              <a:t>10/8/2025</a:t>
             </a:fld>
             <a:endParaRPr lang="en-US"/>
           </a:p>
@@ -2183,7 +2183,7 @@
           <a:p>
             <a:fld id="{6F24E30B-A555-4310-8311-9C6BAEA5F886}" type="datetimeFigureOut">
               <a:rPr lang="en-US" smtClean="0"/>
-              <a:t>10/5/2025</a:t>
+              <a:t>10/8/2025</a:t>
             </a:fld>
             <a:endParaRPr lang="en-US"/>
           </a:p>
@@ -2429,7 +2429,7 @@
           <a:p>
             <a:fld id="{6F24E30B-A555-4310-8311-9C6BAEA5F886}" type="datetimeFigureOut">
               <a:rPr lang="en-US" smtClean="0"/>
-              <a:t>10/5/2025</a:t>
+              <a:t>10/8/2025</a:t>
             </a:fld>
             <a:endParaRPr lang="en-US"/>
           </a:p>
@@ -2661,7 +2661,7 @@
           <a:p>
             <a:fld id="{6F24E30B-A555-4310-8311-9C6BAEA5F886}" type="datetimeFigureOut">
               <a:rPr lang="en-US" smtClean="0"/>
-              <a:t>10/5/2025</a:t>
+              <a:t>10/8/2025</a:t>
             </a:fld>
             <a:endParaRPr lang="en-US"/>
           </a:p>
@@ -3028,7 +3028,7 @@
           <a:p>
             <a:fld id="{6F24E30B-A555-4310-8311-9C6BAEA5F886}" type="datetimeFigureOut">
               <a:rPr lang="en-US" smtClean="0"/>
-              <a:t>10/5/2025</a:t>
+              <a:t>10/8/2025</a:t>
             </a:fld>
             <a:endParaRPr lang="en-US"/>
           </a:p>
@@ -3146,7 +3146,7 @@
           <a:p>
             <a:fld id="{6F24E30B-A555-4310-8311-9C6BAEA5F886}" type="datetimeFigureOut">
               <a:rPr lang="en-US" smtClean="0"/>
-              <a:t>10/5/2025</a:t>
+              <a:t>10/8/2025</a:t>
             </a:fld>
             <a:endParaRPr lang="en-US"/>
           </a:p>
@@ -3241,7 +3241,7 @@
           <a:p>
             <a:fld id="{6F24E30B-A555-4310-8311-9C6BAEA5F886}" type="datetimeFigureOut">
               <a:rPr lang="en-US" smtClean="0"/>
-              <a:t>10/5/2025</a:t>
+              <a:t>10/8/2025</a:t>
             </a:fld>
             <a:endParaRPr lang="en-US"/>
           </a:p>
@@ -3518,7 +3518,7 @@
           <a:p>
             <a:fld id="{6F24E30B-A555-4310-8311-9C6BAEA5F886}" type="datetimeFigureOut">
               <a:rPr lang="en-US" smtClean="0"/>
-              <a:t>10/5/2025</a:t>
+              <a:t>10/8/2025</a:t>
             </a:fld>
             <a:endParaRPr lang="en-US"/>
           </a:p>
@@ -3775,7 +3775,7 @@
           <a:p>
             <a:fld id="{6F24E30B-A555-4310-8311-9C6BAEA5F886}" type="datetimeFigureOut">
               <a:rPr lang="en-US" smtClean="0"/>
-              <a:t>10/5/2025</a:t>
+              <a:t>10/8/2025</a:t>
             </a:fld>
             <a:endParaRPr lang="en-US"/>
           </a:p>
@@ -3988,7 +3988,7 @@
           <a:p>
             <a:fld id="{6F24E30B-A555-4310-8311-9C6BAEA5F886}" type="datetimeFigureOut">
               <a:rPr lang="en-US" smtClean="0"/>
-              <a:t>10/5/2025</a:t>
+              <a:t>10/8/2025</a:t>
             </a:fld>
             <a:endParaRPr lang="en-US"/>
           </a:p>
@@ -13054,7 +13054,7 @@
                             </p:stCondLst>
                             <p:childTnLst>
                               <p:par>
-                                <p:cTn id="5" presetID="21" presetClass="entr" presetSubtype="1" fill="hold" grpId="0" nodeType="clickEffect">
+                                <p:cTn id="5" presetID="2" presetClass="entr" presetSubtype="8" fill="hold" grpId="0" nodeType="clickEffect">
                                   <p:stCondLst>
                                     <p:cond delay="0"/>
                                   </p:stCondLst>
@@ -13077,14 +13077,52 @@
                                         <p:strVal val="visible"/>
                                       </p:to>
                                     </p:set>
-                                    <p:animEffect transition="in" filter="wheel(1)">
-                                      <p:cBhvr>
-                                        <p:cTn id="7" dur="2000"/>
+                                    <p:anim calcmode="lin" valueType="num">
+                                      <p:cBhvr additive="base">
+                                        <p:cTn id="7" dur="500" fill="hold"/>
                                         <p:tgtEl>
                                           <p:spTgt spid="38"/>
                                         </p:tgtEl>
+                                        <p:attrNameLst>
+                                          <p:attrName>ppt_x</p:attrName>
+                                        </p:attrNameLst>
                                       </p:cBhvr>
-                                    </p:animEffect>
+                                      <p:tavLst>
+                                        <p:tav tm="0">
+                                          <p:val>
+                                            <p:strVal val="0-#ppt_w/2"/>
+                                          </p:val>
+                                        </p:tav>
+                                        <p:tav tm="100000">
+                                          <p:val>
+                                            <p:strVal val="#ppt_x"/>
+                                          </p:val>
+                                        </p:tav>
+                                      </p:tavLst>
+                                    </p:anim>
+                                    <p:anim calcmode="lin" valueType="num">
+                                      <p:cBhvr additive="base">
+                                        <p:cTn id="8" dur="500" fill="hold"/>
+                                        <p:tgtEl>
+                                          <p:spTgt spid="38"/>
+                                        </p:tgtEl>
+                                        <p:attrNameLst>
+                                          <p:attrName>ppt_y</p:attrName>
+                                        </p:attrNameLst>
+                                      </p:cBhvr>
+                                      <p:tavLst>
+                                        <p:tav tm="0">
+                                          <p:val>
+                                            <p:strVal val="#ppt_y"/>
+                                          </p:val>
+                                        </p:tav>
+                                        <p:tav tm="100000">
+                                          <p:val>
+                                            <p:strVal val="#ppt_y"/>
+                                          </p:val>
+                                        </p:tav>
+                                      </p:tavLst>
+                                    </p:anim>
                                   </p:childTnLst>
                                 </p:cTn>
                               </p:par>
@@ -13095,26 +13133,26 @@
                     </p:cTn>
                   </p:par>
                   <p:par>
-                    <p:cTn id="8" fill="hold">
+                    <p:cTn id="9" fill="hold">
                       <p:stCondLst>
                         <p:cond delay="indefinite"/>
                       </p:stCondLst>
                       <p:childTnLst>
                         <p:par>
-                          <p:cTn id="9" fill="hold">
+                          <p:cTn id="10" fill="hold">
                             <p:stCondLst>
                               <p:cond delay="0"/>
                             </p:stCondLst>
                             <p:childTnLst>
                               <p:par>
-                                <p:cTn id="10" presetID="2" presetClass="entr" presetSubtype="4" fill="hold" grpId="0" nodeType="clickEffect">
+                                <p:cTn id="11" presetID="22" presetClass="entr" presetSubtype="8" fill="hold" grpId="0" nodeType="clickEffect">
                                   <p:stCondLst>
                                     <p:cond delay="0"/>
                                   </p:stCondLst>
                                   <p:childTnLst>
                                     <p:set>
                                       <p:cBhvr>
-                                        <p:cTn id="11" dur="1" fill="hold">
+                                        <p:cTn id="12" dur="1" fill="hold">
                                           <p:stCondLst>
                                             <p:cond delay="0"/>
                                           </p:stCondLst>
@@ -13130,52 +13168,14 @@
                                         <p:strVal val="visible"/>
                                       </p:to>
                                     </p:set>
-                                    <p:anim calcmode="lin" valueType="num">
-                                      <p:cBhvr additive="base">
-                                        <p:cTn id="12" dur="500" fill="hold"/>
+                                    <p:animEffect transition="in" filter="wipe(left)">
+                                      <p:cBhvr>
+                                        <p:cTn id="13" dur="500"/>
                                         <p:tgtEl>
                                           <p:spTgt spid="3"/>
                                         </p:tgtEl>
-                                        <p:attrNameLst>
-                                          <p:attrName>ppt_x</p:attrName>
-                                        </p:attrNameLst>
                                       </p:cBhvr>
-                                      <p:tavLst>
-                                        <p:tav tm="0">
-                                          <p:val>
-                                            <p:strVal val="#ppt_x"/>
-                                          </p:val>
-                                        </p:tav>
-                                        <p:tav tm="100000">
-                                          <p:val>
-                                            <p:strVal val="#ppt_x"/>
-                                          </p:val>
-                                        </p:tav>
-                                      </p:tavLst>
-                                    </p:anim>
-                                    <p:anim calcmode="lin" valueType="num">
-                                      <p:cBhvr additive="base">
-                                        <p:cTn id="13" dur="500" fill="hold"/>
-                                        <p:tgtEl>
-                                          <p:spTgt spid="3"/>
-                                        </p:tgtEl>
-                                        <p:attrNameLst>
-                                          <p:attrName>ppt_y</p:attrName>
-                                        </p:attrNameLst>
-                                      </p:cBhvr>
-                                      <p:tavLst>
-                                        <p:tav tm="0">
-                                          <p:val>
-                                            <p:strVal val="1+#ppt_h/2"/>
-                                          </p:val>
-                                        </p:tav>
-                                        <p:tav tm="100000">
-                                          <p:val>
-                                            <p:strVal val="#ppt_y"/>
-                                          </p:val>
-                                        </p:tav>
-                                      </p:tavLst>
-                                    </p:anim>
+                                    </p:animEffect>
                                   </p:childTnLst>
                                 </p:cTn>
                               </p:par>
@@ -13198,7 +13198,7 @@
                             </p:stCondLst>
                             <p:childTnLst>
                               <p:par>
-                                <p:cTn id="16" presetID="10" presetClass="entr" presetSubtype="0" fill="hold" grpId="0" nodeType="clickEffect">
+                                <p:cTn id="16" presetID="22" presetClass="entr" presetSubtype="8" fill="hold" grpId="0" nodeType="clickEffect">
                                   <p:stCondLst>
                                     <p:cond delay="0"/>
                                   </p:stCondLst>
@@ -13221,7 +13221,7 @@
                                         <p:strVal val="visible"/>
                                       </p:to>
                                     </p:set>
-                                    <p:animEffect transition="in" filter="fade">
+                                    <p:animEffect transition="in" filter="wipe(left)">
                                       <p:cBhvr>
                                         <p:cTn id="18" dur="500"/>
                                         <p:tgtEl>
@@ -13251,7 +13251,7 @@
                             </p:stCondLst>
                             <p:childTnLst>
                               <p:par>
-                                <p:cTn id="21" presetID="2" presetClass="entr" presetSubtype="4" fill="hold" grpId="0" nodeType="clickEffect">
+                                <p:cTn id="21" presetID="22" presetClass="entr" presetSubtype="8" fill="hold" grpId="0" nodeType="clickEffect">
                                   <p:stCondLst>
                                     <p:cond delay="0"/>
                                   </p:stCondLst>
@@ -13274,52 +13274,14 @@
                                         <p:strVal val="visible"/>
                                       </p:to>
                                     </p:set>
-                                    <p:anim calcmode="lin" valueType="num">
-                                      <p:cBhvr additive="base">
-                                        <p:cTn id="23" dur="500" fill="hold"/>
+                                    <p:animEffect transition="in" filter="wipe(left)">
+                                      <p:cBhvr>
+                                        <p:cTn id="23" dur="500"/>
                                         <p:tgtEl>
                                           <p:spTgt spid="17"/>
                                         </p:tgtEl>
-                                        <p:attrNameLst>
-                                          <p:attrName>ppt_x</p:attrName>
-                                        </p:attrNameLst>
                                       </p:cBhvr>
-                                      <p:tavLst>
-                                        <p:tav tm="0">
-                                          <p:val>
-                                            <p:strVal val="#ppt_x"/>
-                                          </p:val>
-                                        </p:tav>
-                                        <p:tav tm="100000">
-                                          <p:val>
-                                            <p:strVal val="#ppt_x"/>
-                                          </p:val>
-                                        </p:tav>
-                                      </p:tavLst>
-                                    </p:anim>
-                                    <p:anim calcmode="lin" valueType="num">
-                                      <p:cBhvr additive="base">
-                                        <p:cTn id="24" dur="500" fill="hold"/>
-                                        <p:tgtEl>
-                                          <p:spTgt spid="17"/>
-                                        </p:tgtEl>
-                                        <p:attrNameLst>
-                                          <p:attrName>ppt_y</p:attrName>
-                                        </p:attrNameLst>
-                                      </p:cBhvr>
-                                      <p:tavLst>
-                                        <p:tav tm="0">
-                                          <p:val>
-                                            <p:strVal val="1+#ppt_h/2"/>
-                                          </p:val>
-                                        </p:tav>
-                                        <p:tav tm="100000">
-                                          <p:val>
-                                            <p:strVal val="#ppt_y"/>
-                                          </p:val>
-                                        </p:tav>
-                                      </p:tavLst>
-                                    </p:anim>
+                                    </p:animEffect>
                                   </p:childTnLst>
                                 </p:cTn>
                               </p:par>
@@ -14527,6 +14489,337 @@
   <p:clrMapOvr>
     <a:masterClrMapping/>
   </p:clrMapOvr>
+  <p:timing>
+    <p:tnLst>
+      <p:par>
+        <p:cTn id="1" dur="indefinite" restart="never" nodeType="tmRoot">
+          <p:childTnLst>
+            <p:seq concurrent="1" nextAc="seek">
+              <p:cTn id="2" dur="indefinite" nodeType="mainSeq">
+                <p:childTnLst>
+                  <p:par>
+                    <p:cTn id="3" fill="hold">
+                      <p:stCondLst>
+                        <p:cond delay="indefinite"/>
+                      </p:stCondLst>
+                      <p:childTnLst>
+                        <p:par>
+                          <p:cTn id="4" fill="hold">
+                            <p:stCondLst>
+                              <p:cond delay="0"/>
+                            </p:stCondLst>
+                            <p:childTnLst>
+                              <p:par>
+                                <p:cTn id="5" presetID="2" presetClass="entr" presetSubtype="2" fill="hold" grpId="0" nodeType="clickEffect">
+                                  <p:stCondLst>
+                                    <p:cond delay="0"/>
+                                  </p:stCondLst>
+                                  <p:childTnLst>
+                                    <p:set>
+                                      <p:cBhvr>
+                                        <p:cTn id="6" dur="1" fill="hold">
+                                          <p:stCondLst>
+                                            <p:cond delay="0"/>
+                                          </p:stCondLst>
+                                        </p:cTn>
+                                        <p:tgtEl>
+                                          <p:spTgt spid="16"/>
+                                        </p:tgtEl>
+                                        <p:attrNameLst>
+                                          <p:attrName>style.visibility</p:attrName>
+                                        </p:attrNameLst>
+                                      </p:cBhvr>
+                                      <p:to>
+                                        <p:strVal val="visible"/>
+                                      </p:to>
+                                    </p:set>
+                                    <p:anim calcmode="lin" valueType="num">
+                                      <p:cBhvr additive="base">
+                                        <p:cTn id="7" dur="500" fill="hold"/>
+                                        <p:tgtEl>
+                                          <p:spTgt spid="16"/>
+                                        </p:tgtEl>
+                                        <p:attrNameLst>
+                                          <p:attrName>ppt_x</p:attrName>
+                                        </p:attrNameLst>
+                                      </p:cBhvr>
+                                      <p:tavLst>
+                                        <p:tav tm="0">
+                                          <p:val>
+                                            <p:strVal val="1+#ppt_w/2"/>
+                                          </p:val>
+                                        </p:tav>
+                                        <p:tav tm="100000">
+                                          <p:val>
+                                            <p:strVal val="#ppt_x"/>
+                                          </p:val>
+                                        </p:tav>
+                                      </p:tavLst>
+                                    </p:anim>
+                                    <p:anim calcmode="lin" valueType="num">
+                                      <p:cBhvr additive="base">
+                                        <p:cTn id="8" dur="500" fill="hold"/>
+                                        <p:tgtEl>
+                                          <p:spTgt spid="16"/>
+                                        </p:tgtEl>
+                                        <p:attrNameLst>
+                                          <p:attrName>ppt_y</p:attrName>
+                                        </p:attrNameLst>
+                                      </p:cBhvr>
+                                      <p:tavLst>
+                                        <p:tav tm="0">
+                                          <p:val>
+                                            <p:strVal val="#ppt_y"/>
+                                          </p:val>
+                                        </p:tav>
+                                        <p:tav tm="100000">
+                                          <p:val>
+                                            <p:strVal val="#ppt_y"/>
+                                          </p:val>
+                                        </p:tav>
+                                      </p:tavLst>
+                                    </p:anim>
+                                  </p:childTnLst>
+                                </p:cTn>
+                              </p:par>
+                            </p:childTnLst>
+                          </p:cTn>
+                        </p:par>
+                      </p:childTnLst>
+                    </p:cTn>
+                  </p:par>
+                  <p:par>
+                    <p:cTn id="9" fill="hold">
+                      <p:stCondLst>
+                        <p:cond delay="indefinite"/>
+                      </p:stCondLst>
+                      <p:childTnLst>
+                        <p:par>
+                          <p:cTn id="10" fill="hold">
+                            <p:stCondLst>
+                              <p:cond delay="0"/>
+                            </p:stCondLst>
+                            <p:childTnLst>
+                              <p:par>
+                                <p:cTn id="11" presetID="42" presetClass="entr" presetSubtype="0" fill="hold" nodeType="clickEffect">
+                                  <p:stCondLst>
+                                    <p:cond delay="0"/>
+                                  </p:stCondLst>
+                                  <p:childTnLst>
+                                    <p:set>
+                                      <p:cBhvr>
+                                        <p:cTn id="12" dur="1" fill="hold">
+                                          <p:stCondLst>
+                                            <p:cond delay="0"/>
+                                          </p:stCondLst>
+                                        </p:cTn>
+                                        <p:tgtEl>
+                                          <p:spTgt spid="21"/>
+                                        </p:tgtEl>
+                                        <p:attrNameLst>
+                                          <p:attrName>style.visibility</p:attrName>
+                                        </p:attrNameLst>
+                                      </p:cBhvr>
+                                      <p:to>
+                                        <p:strVal val="visible"/>
+                                      </p:to>
+                                    </p:set>
+                                    <p:animEffect transition="in" filter="fade">
+                                      <p:cBhvr>
+                                        <p:cTn id="13" dur="1000"/>
+                                        <p:tgtEl>
+                                          <p:spTgt spid="21"/>
+                                        </p:tgtEl>
+                                      </p:cBhvr>
+                                    </p:animEffect>
+                                    <p:anim calcmode="lin" valueType="num">
+                                      <p:cBhvr>
+                                        <p:cTn id="14" dur="1000" fill="hold"/>
+                                        <p:tgtEl>
+                                          <p:spTgt spid="21"/>
+                                        </p:tgtEl>
+                                        <p:attrNameLst>
+                                          <p:attrName>ppt_x</p:attrName>
+                                        </p:attrNameLst>
+                                      </p:cBhvr>
+                                      <p:tavLst>
+                                        <p:tav tm="0">
+                                          <p:val>
+                                            <p:strVal val="#ppt_x"/>
+                                          </p:val>
+                                        </p:tav>
+                                        <p:tav tm="100000">
+                                          <p:val>
+                                            <p:strVal val="#ppt_x"/>
+                                          </p:val>
+                                        </p:tav>
+                                      </p:tavLst>
+                                    </p:anim>
+                                    <p:anim calcmode="lin" valueType="num">
+                                      <p:cBhvr>
+                                        <p:cTn id="15" dur="1000" fill="hold"/>
+                                        <p:tgtEl>
+                                          <p:spTgt spid="21"/>
+                                        </p:tgtEl>
+                                        <p:attrNameLst>
+                                          <p:attrName>ppt_y</p:attrName>
+                                        </p:attrNameLst>
+                                      </p:cBhvr>
+                                      <p:tavLst>
+                                        <p:tav tm="0">
+                                          <p:val>
+                                            <p:strVal val="#ppt_y+.1"/>
+                                          </p:val>
+                                        </p:tav>
+                                        <p:tav tm="100000">
+                                          <p:val>
+                                            <p:strVal val="#ppt_y"/>
+                                          </p:val>
+                                        </p:tav>
+                                      </p:tavLst>
+                                    </p:anim>
+                                  </p:childTnLst>
+                                </p:cTn>
+                              </p:par>
+                            </p:childTnLst>
+                          </p:cTn>
+                        </p:par>
+                      </p:childTnLst>
+                    </p:cTn>
+                  </p:par>
+                  <p:par>
+                    <p:cTn id="16" fill="hold">
+                      <p:stCondLst>
+                        <p:cond delay="indefinite"/>
+                      </p:stCondLst>
+                      <p:childTnLst>
+                        <p:par>
+                          <p:cTn id="17" fill="hold">
+                            <p:stCondLst>
+                              <p:cond delay="0"/>
+                            </p:stCondLst>
+                            <p:childTnLst>
+                              <p:par>
+                                <p:cTn id="18" presetID="22" presetClass="entr" presetSubtype="2" fill="hold" grpId="0" nodeType="clickEffect">
+                                  <p:stCondLst>
+                                    <p:cond delay="0"/>
+                                  </p:stCondLst>
+                                  <p:childTnLst>
+                                    <p:set>
+                                      <p:cBhvr>
+                                        <p:cTn id="19" dur="1" fill="hold">
+                                          <p:stCondLst>
+                                            <p:cond delay="0"/>
+                                          </p:stCondLst>
+                                        </p:cTn>
+                                        <p:tgtEl>
+                                          <p:spTgt spid="24"/>
+                                        </p:tgtEl>
+                                        <p:attrNameLst>
+                                          <p:attrName>style.visibility</p:attrName>
+                                        </p:attrNameLst>
+                                      </p:cBhvr>
+                                      <p:to>
+                                        <p:strVal val="visible"/>
+                                      </p:to>
+                                    </p:set>
+                                    <p:animEffect transition="in" filter="wipe(right)">
+                                      <p:cBhvr>
+                                        <p:cTn id="20" dur="500"/>
+                                        <p:tgtEl>
+                                          <p:spTgt spid="24"/>
+                                        </p:tgtEl>
+                                      </p:cBhvr>
+                                    </p:animEffect>
+                                  </p:childTnLst>
+                                </p:cTn>
+                              </p:par>
+                            </p:childTnLst>
+                          </p:cTn>
+                        </p:par>
+                      </p:childTnLst>
+                    </p:cTn>
+                  </p:par>
+                  <p:par>
+                    <p:cTn id="21" fill="hold">
+                      <p:stCondLst>
+                        <p:cond delay="indefinite"/>
+                      </p:stCondLst>
+                      <p:childTnLst>
+                        <p:par>
+                          <p:cTn id="22" fill="hold">
+                            <p:stCondLst>
+                              <p:cond delay="0"/>
+                            </p:stCondLst>
+                            <p:childTnLst>
+                              <p:par>
+                                <p:cTn id="23" presetID="22" presetClass="entr" presetSubtype="2" fill="hold" grpId="0" nodeType="clickEffect">
+                                  <p:stCondLst>
+                                    <p:cond delay="0"/>
+                                  </p:stCondLst>
+                                  <p:childTnLst>
+                                    <p:set>
+                                      <p:cBhvr>
+                                        <p:cTn id="24" dur="1" fill="hold">
+                                          <p:stCondLst>
+                                            <p:cond delay="0"/>
+                                          </p:stCondLst>
+                                        </p:cTn>
+                                        <p:tgtEl>
+                                          <p:spTgt spid="25"/>
+                                        </p:tgtEl>
+                                        <p:attrNameLst>
+                                          <p:attrName>style.visibility</p:attrName>
+                                        </p:attrNameLst>
+                                      </p:cBhvr>
+                                      <p:to>
+                                        <p:strVal val="visible"/>
+                                      </p:to>
+                                    </p:set>
+                                    <p:animEffect transition="in" filter="wipe(right)">
+                                      <p:cBhvr>
+                                        <p:cTn id="25" dur="500"/>
+                                        <p:tgtEl>
+                                          <p:spTgt spid="25"/>
+                                        </p:tgtEl>
+                                      </p:cBhvr>
+                                    </p:animEffect>
+                                  </p:childTnLst>
+                                </p:cTn>
+                              </p:par>
+                            </p:childTnLst>
+                          </p:cTn>
+                        </p:par>
+                      </p:childTnLst>
+                    </p:cTn>
+                  </p:par>
+                </p:childTnLst>
+              </p:cTn>
+              <p:prevCondLst>
+                <p:cond evt="onPrev" delay="0">
+                  <p:tgtEl>
+                    <p:sldTgt/>
+                  </p:tgtEl>
+                </p:cond>
+              </p:prevCondLst>
+              <p:nextCondLst>
+                <p:cond evt="onNext" delay="0">
+                  <p:tgtEl>
+                    <p:sldTgt/>
+                  </p:tgtEl>
+                </p:cond>
+              </p:nextCondLst>
+            </p:seq>
+          </p:childTnLst>
+        </p:cTn>
+      </p:par>
+    </p:tnLst>
+    <p:bldLst>
+      <p:bldP spid="16" grpId="0" animBg="1"/>
+      <p:bldP spid="24" grpId="0" animBg="1"/>
+      <p:bldP spid="25" grpId="0" animBg="1"/>
+    </p:bldLst>
+  </p:timing>
 </p:sld>
 </file>
 
@@ -15303,111 +15596,132 @@
           </a:p>
         </p:txBody>
       </p:sp>
-      <p:sp>
-        <p:nvSpPr>
-          <p:cNvPr id="17" name="Rectangle 16">
+      <p:grpSp>
+        <p:nvGrpSpPr>
+          <p:cNvPr id="3" name="Group 2">
             <a:extLst>
               <a:ext uri="{FF2B5EF4-FFF2-40B4-BE49-F238E27FC236}">
-                <a16:creationId xmlns:a16="http://schemas.microsoft.com/office/drawing/2014/main" id="{D72FB95A-E49C-A3C8-5411-D489F3D72EEB}"/>
+                <a16:creationId xmlns:a16="http://schemas.microsoft.com/office/drawing/2014/main" id="{1B68131A-F6A0-2F2B-048A-35C2EA231D7B}"/>
               </a:ext>
             </a:extLst>
           </p:cNvPr>
-          <p:cNvSpPr/>
+          <p:cNvGrpSpPr/>
           <p:nvPr/>
-        </p:nvSpPr>
-        <p:spPr>
+        </p:nvGrpSpPr>
+        <p:grpSpPr>
           <a:xfrm>
-            <a:off x="2697633" y="1202804"/>
-            <a:ext cx="5638165" cy="735639"/>
+            <a:off x="1216021" y="1113424"/>
+            <a:ext cx="7119777" cy="914400"/>
+            <a:chOff x="1216021" y="1113424"/>
+            <a:chExt cx="7119777" cy="914400"/>
           </a:xfrm>
-          <a:prstGeom prst="rect">
-            <a:avLst/>
-          </a:prstGeom>
-          <a:solidFill>
-            <a:schemeClr val="accent2">
-              <a:lumMod val="20000"/>
-              <a:lumOff val="80000"/>
-            </a:schemeClr>
-          </a:solidFill>
-        </p:spPr>
-        <p:style>
-          <a:lnRef idx="2">
-            <a:schemeClr val="accent1">
-              <a:shade val="15000"/>
-            </a:schemeClr>
-          </a:lnRef>
-          <a:fillRef idx="1">
-            <a:schemeClr val="accent1"/>
-          </a:fillRef>
-          <a:effectRef idx="0">
-            <a:schemeClr val="accent1"/>
-          </a:effectRef>
-          <a:fontRef idx="minor">
-            <a:schemeClr val="lt1"/>
-          </a:fontRef>
-        </p:style>
-        <p:txBody>
-          <a:bodyPr rtlCol="0" anchor="ctr"/>
-          <a:lstStyle/>
-          <a:p>
-            <a:r>
-              <a:rPr lang="en-US" sz="2800" dirty="0">
+        </p:grpSpPr>
+        <p:sp>
+          <p:nvSpPr>
+            <p:cNvPr id="17" name="Rectangle 16">
+              <a:extLst>
+                <a:ext uri="{FF2B5EF4-FFF2-40B4-BE49-F238E27FC236}">
+                  <a16:creationId xmlns:a16="http://schemas.microsoft.com/office/drawing/2014/main" id="{D72FB95A-E49C-A3C8-5411-D489F3D72EEB}"/>
+                </a:ext>
+              </a:extLst>
+            </p:cNvPr>
+            <p:cNvSpPr/>
+            <p:nvPr/>
+          </p:nvSpPr>
+          <p:spPr>
+            <a:xfrm>
+              <a:off x="2697633" y="1202804"/>
+              <a:ext cx="5638165" cy="735639"/>
+            </a:xfrm>
+            <a:prstGeom prst="rect">
+              <a:avLst/>
+            </a:prstGeom>
+            <a:solidFill>
+              <a:schemeClr val="accent2">
+                <a:lumMod val="20000"/>
+                <a:lumOff val="80000"/>
+              </a:schemeClr>
+            </a:solidFill>
+          </p:spPr>
+          <p:style>
+            <a:lnRef idx="2">
+              <a:schemeClr val="accent1">
+                <a:shade val="15000"/>
+              </a:schemeClr>
+            </a:lnRef>
+            <a:fillRef idx="1">
+              <a:schemeClr val="accent1"/>
+            </a:fillRef>
+            <a:effectRef idx="0">
+              <a:schemeClr val="accent1"/>
+            </a:effectRef>
+            <a:fontRef idx="minor">
+              <a:schemeClr val="lt1"/>
+            </a:fontRef>
+          </p:style>
+          <p:txBody>
+            <a:bodyPr rtlCol="0" anchor="ctr"/>
+            <a:lstStyle/>
+            <a:p>
+              <a:r>
+                <a:rPr lang="en-US" sz="2800" dirty="0">
+                  <a:solidFill>
+                    <a:schemeClr val="accent3">
+                      <a:lumMod val="75000"/>
+                    </a:schemeClr>
+                  </a:solidFill>
+                  <a:latin typeface="Eras Bold ITC" panose="020B0907030504020204" pitchFamily="34" charset="0"/>
+                </a:rPr>
+                <a:t>World Wide Web Consortium</a:t>
+              </a:r>
+              <a:endParaRPr lang="en-US" sz="4000" dirty="0">
                 <a:solidFill>
                   <a:schemeClr val="accent3">
                     <a:lumMod val="75000"/>
                   </a:schemeClr>
                 </a:solidFill>
                 <a:latin typeface="Eras Bold ITC" panose="020B0907030504020204" pitchFamily="34" charset="0"/>
-              </a:rPr>
-              <a:t>World Wide Web Consortium</a:t>
-            </a:r>
-            <a:endParaRPr lang="en-US" sz="4000" dirty="0">
-              <a:solidFill>
-                <a:schemeClr val="accent3">
-                  <a:lumMod val="75000"/>
-                </a:schemeClr>
-              </a:solidFill>
-              <a:latin typeface="Eras Bold ITC" panose="020B0907030504020204" pitchFamily="34" charset="0"/>
-            </a:endParaRPr>
-          </a:p>
-        </p:txBody>
-      </p:sp>
-      <p:pic>
-        <p:nvPicPr>
-          <p:cNvPr id="26" name="Graphic 25">
-            <a:extLst>
-              <a:ext uri="{FF2B5EF4-FFF2-40B4-BE49-F238E27FC236}">
-                <a16:creationId xmlns:a16="http://schemas.microsoft.com/office/drawing/2014/main" id="{1CA8A1FB-1674-6BC1-45E4-B1FD886AE072}"/>
-              </a:ext>
-            </a:extLst>
-          </p:cNvPr>
-          <p:cNvPicPr>
-            <a:picLocks noChangeAspect="1"/>
-          </p:cNvPicPr>
-          <p:nvPr/>
-        </p:nvPicPr>
-        <p:blipFill>
-          <a:blip r:embed="rId4">
-            <a:extLst>
-              <a:ext uri="{96DAC541-7B7A-43D3-8B79-37D633B846F1}">
-                <asvg:svgBlip xmlns:asvg="http://schemas.microsoft.com/office/drawing/2016/SVG/main" r:embed="rId5"/>
-              </a:ext>
-            </a:extLst>
-          </a:blip>
-          <a:stretch>
-            <a:fillRect/>
-          </a:stretch>
-        </p:blipFill>
-        <p:spPr>
-          <a:xfrm>
-            <a:off x="1216021" y="1113424"/>
-            <a:ext cx="1371600" cy="914400"/>
-          </a:xfrm>
-          <a:prstGeom prst="rect">
-            <a:avLst/>
-          </a:prstGeom>
-        </p:spPr>
-      </p:pic>
+              </a:endParaRPr>
+            </a:p>
+          </p:txBody>
+        </p:sp>
+        <p:pic>
+          <p:nvPicPr>
+            <p:cNvPr id="26" name="Graphic 25">
+              <a:extLst>
+                <a:ext uri="{FF2B5EF4-FFF2-40B4-BE49-F238E27FC236}">
+                  <a16:creationId xmlns:a16="http://schemas.microsoft.com/office/drawing/2014/main" id="{1CA8A1FB-1674-6BC1-45E4-B1FD886AE072}"/>
+                </a:ext>
+              </a:extLst>
+            </p:cNvPr>
+            <p:cNvPicPr>
+              <a:picLocks noChangeAspect="1"/>
+            </p:cNvPicPr>
+            <p:nvPr/>
+          </p:nvPicPr>
+          <p:blipFill>
+            <a:blip r:embed="rId4">
+              <a:extLst>
+                <a:ext uri="{96DAC541-7B7A-43D3-8B79-37D633B846F1}">
+                  <asvg:svgBlip xmlns:asvg="http://schemas.microsoft.com/office/drawing/2016/SVG/main" r:embed="rId5"/>
+                </a:ext>
+              </a:extLst>
+            </a:blip>
+            <a:stretch>
+              <a:fillRect/>
+            </a:stretch>
+          </p:blipFill>
+          <p:spPr>
+            <a:xfrm>
+              <a:off x="1216021" y="1113424"/>
+              <a:ext cx="1371600" cy="914400"/>
+            </a:xfrm>
+            <a:prstGeom prst="rect">
+              <a:avLst/>
+            </a:prstGeom>
+          </p:spPr>
+        </p:pic>
+      </p:grpSp>
       <p:sp>
         <p:nvSpPr>
           <p:cNvPr id="27" name="Rectangle 26">
@@ -15584,6 +15898,199 @@
   <p:clrMapOvr>
     <a:masterClrMapping/>
   </p:clrMapOvr>
+  <p:timing>
+    <p:tnLst>
+      <p:par>
+        <p:cTn id="1" dur="indefinite" restart="never" nodeType="tmRoot">
+          <p:childTnLst>
+            <p:seq concurrent="1" nextAc="seek">
+              <p:cTn id="2" dur="indefinite" nodeType="mainSeq">
+                <p:childTnLst>
+                  <p:par>
+                    <p:cTn id="3" fill="hold">
+                      <p:stCondLst>
+                        <p:cond delay="indefinite"/>
+                      </p:stCondLst>
+                      <p:childTnLst>
+                        <p:par>
+                          <p:cTn id="4" fill="hold">
+                            <p:stCondLst>
+                              <p:cond delay="0"/>
+                            </p:stCondLst>
+                            <p:childTnLst>
+                              <p:par>
+                                <p:cTn id="5" presetID="22" presetClass="entr" presetSubtype="8" fill="hold" nodeType="clickEffect">
+                                  <p:stCondLst>
+                                    <p:cond delay="0"/>
+                                  </p:stCondLst>
+                                  <p:childTnLst>
+                                    <p:set>
+                                      <p:cBhvr>
+                                        <p:cTn id="6" dur="1" fill="hold">
+                                          <p:stCondLst>
+                                            <p:cond delay="0"/>
+                                          </p:stCondLst>
+                                        </p:cTn>
+                                        <p:tgtEl>
+                                          <p:spTgt spid="3"/>
+                                        </p:tgtEl>
+                                        <p:attrNameLst>
+                                          <p:attrName>style.visibility</p:attrName>
+                                        </p:attrNameLst>
+                                      </p:cBhvr>
+                                      <p:to>
+                                        <p:strVal val="visible"/>
+                                      </p:to>
+                                    </p:set>
+                                    <p:animEffect transition="in" filter="wipe(left)">
+                                      <p:cBhvr>
+                                        <p:cTn id="7" dur="500"/>
+                                        <p:tgtEl>
+                                          <p:spTgt spid="3"/>
+                                        </p:tgtEl>
+                                      </p:cBhvr>
+                                    </p:animEffect>
+                                  </p:childTnLst>
+                                </p:cTn>
+                              </p:par>
+                            </p:childTnLst>
+                          </p:cTn>
+                        </p:par>
+                      </p:childTnLst>
+                    </p:cTn>
+                  </p:par>
+                  <p:par>
+                    <p:cTn id="8" fill="hold">
+                      <p:stCondLst>
+                        <p:cond delay="indefinite"/>
+                      </p:stCondLst>
+                      <p:childTnLst>
+                        <p:par>
+                          <p:cTn id="9" fill="hold">
+                            <p:stCondLst>
+                              <p:cond delay="0"/>
+                            </p:stCondLst>
+                            <p:childTnLst>
+                              <p:par>
+                                <p:cTn id="10" presetID="22" presetClass="entr" presetSubtype="8" fill="hold" grpId="0" nodeType="clickEffect">
+                                  <p:stCondLst>
+                                    <p:cond delay="0"/>
+                                  </p:stCondLst>
+                                  <p:childTnLst>
+                                    <p:set>
+                                      <p:cBhvr>
+                                        <p:cTn id="11" dur="1" fill="hold">
+                                          <p:stCondLst>
+                                            <p:cond delay="0"/>
+                                          </p:stCondLst>
+                                        </p:cTn>
+                                        <p:tgtEl>
+                                          <p:spTgt spid="27"/>
+                                        </p:tgtEl>
+                                        <p:attrNameLst>
+                                          <p:attrName>style.visibility</p:attrName>
+                                        </p:attrNameLst>
+                                      </p:cBhvr>
+                                      <p:to>
+                                        <p:strVal val="visible"/>
+                                      </p:to>
+                                    </p:set>
+                                    <p:animEffect transition="in" filter="wipe(left)">
+                                      <p:cBhvr>
+                                        <p:cTn id="12" dur="500"/>
+                                        <p:tgtEl>
+                                          <p:spTgt spid="27"/>
+                                        </p:tgtEl>
+                                      </p:cBhvr>
+                                    </p:animEffect>
+                                  </p:childTnLst>
+                                </p:cTn>
+                              </p:par>
+                            </p:childTnLst>
+                          </p:cTn>
+                        </p:par>
+                      </p:childTnLst>
+                    </p:cTn>
+                  </p:par>
+                  <p:par>
+                    <p:cTn id="13" fill="hold">
+                      <p:stCondLst>
+                        <p:cond delay="indefinite"/>
+                      </p:stCondLst>
+                      <p:childTnLst>
+                        <p:par>
+                          <p:cTn id="14" fill="hold">
+                            <p:stCondLst>
+                              <p:cond delay="0"/>
+                            </p:stCondLst>
+                            <p:childTnLst>
+                              <p:par>
+                                <p:cTn id="15" presetID="22" presetClass="entr" presetSubtype="8" fill="hold" grpId="0" nodeType="clickEffect">
+                                  <p:stCondLst>
+                                    <p:cond delay="0"/>
+                                  </p:stCondLst>
+                                  <p:childTnLst>
+                                    <p:set>
+                                      <p:cBhvr>
+                                        <p:cTn id="16" dur="1" fill="hold">
+                                          <p:stCondLst>
+                                            <p:cond delay="0"/>
+                                          </p:stCondLst>
+                                        </p:cTn>
+                                        <p:tgtEl>
+                                          <p:spTgt spid="28"/>
+                                        </p:tgtEl>
+                                        <p:attrNameLst>
+                                          <p:attrName>style.visibility</p:attrName>
+                                        </p:attrNameLst>
+                                      </p:cBhvr>
+                                      <p:to>
+                                        <p:strVal val="visible"/>
+                                      </p:to>
+                                    </p:set>
+                                    <p:animEffect transition="in" filter="wipe(left)">
+                                      <p:cBhvr>
+                                        <p:cTn id="17" dur="500"/>
+                                        <p:tgtEl>
+                                          <p:spTgt spid="28"/>
+                                        </p:tgtEl>
+                                      </p:cBhvr>
+                                    </p:animEffect>
+                                  </p:childTnLst>
+                                </p:cTn>
+                              </p:par>
+                            </p:childTnLst>
+                          </p:cTn>
+                        </p:par>
+                      </p:childTnLst>
+                    </p:cTn>
+                  </p:par>
+                </p:childTnLst>
+              </p:cTn>
+              <p:prevCondLst>
+                <p:cond evt="onPrev" delay="0">
+                  <p:tgtEl>
+                    <p:sldTgt/>
+                  </p:tgtEl>
+                </p:cond>
+              </p:prevCondLst>
+              <p:nextCondLst>
+                <p:cond evt="onNext" delay="0">
+                  <p:tgtEl>
+                    <p:sldTgt/>
+                  </p:tgtEl>
+                </p:cond>
+              </p:nextCondLst>
+            </p:seq>
+          </p:childTnLst>
+        </p:cTn>
+      </p:par>
+    </p:tnLst>
+    <p:bldLst>
+      <p:bldP spid="27" grpId="0" animBg="1"/>
+      <p:bldP spid="28" grpId="0" animBg="1"/>
+    </p:bldLst>
+  </p:timing>
 </p:sld>
 </file>
 

--- a/ppt/1.html/html.pptx
+++ b/ppt/1.html/html.pptx
@@ -209,7 +209,7 @@
           <a:p>
             <a:fld id="{1CDF96B7-1FB1-4136-9FA3-AF115D3BBAB7}" type="datetimeFigureOut">
               <a:rPr lang="en-US" smtClean="0"/>
-              <a:t>10/8/2025</a:t>
+              <a:t>10/10/2025</a:t>
             </a:fld>
             <a:endParaRPr lang="en-US"/>
           </a:p>
@@ -1663,7 +1663,7 @@
           <a:p>
             <a:fld id="{6F24E30B-A555-4310-8311-9C6BAEA5F886}" type="datetimeFigureOut">
               <a:rPr lang="en-US" smtClean="0"/>
-              <a:t>10/8/2025</a:t>
+              <a:t>10/10/2025</a:t>
             </a:fld>
             <a:endParaRPr lang="en-US"/>
           </a:p>
@@ -1833,7 +1833,7 @@
           <a:p>
             <a:fld id="{6F24E30B-A555-4310-8311-9C6BAEA5F886}" type="datetimeFigureOut">
               <a:rPr lang="en-US" smtClean="0"/>
-              <a:t>10/8/2025</a:t>
+              <a:t>10/10/2025</a:t>
             </a:fld>
             <a:endParaRPr lang="en-US"/>
           </a:p>
@@ -2013,7 +2013,7 @@
           <a:p>
             <a:fld id="{6F24E30B-A555-4310-8311-9C6BAEA5F886}" type="datetimeFigureOut">
               <a:rPr lang="en-US" smtClean="0"/>
-              <a:t>10/8/2025</a:t>
+              <a:t>10/10/2025</a:t>
             </a:fld>
             <a:endParaRPr lang="en-US"/>
           </a:p>
@@ -2183,7 +2183,7 @@
           <a:p>
             <a:fld id="{6F24E30B-A555-4310-8311-9C6BAEA5F886}" type="datetimeFigureOut">
               <a:rPr lang="en-US" smtClean="0"/>
-              <a:t>10/8/2025</a:t>
+              <a:t>10/10/2025</a:t>
             </a:fld>
             <a:endParaRPr lang="en-US"/>
           </a:p>
@@ -2429,7 +2429,7 @@
           <a:p>
             <a:fld id="{6F24E30B-A555-4310-8311-9C6BAEA5F886}" type="datetimeFigureOut">
               <a:rPr lang="en-US" smtClean="0"/>
-              <a:t>10/8/2025</a:t>
+              <a:t>10/10/2025</a:t>
             </a:fld>
             <a:endParaRPr lang="en-US"/>
           </a:p>
@@ -2661,7 +2661,7 @@
           <a:p>
             <a:fld id="{6F24E30B-A555-4310-8311-9C6BAEA5F886}" type="datetimeFigureOut">
               <a:rPr lang="en-US" smtClean="0"/>
-              <a:t>10/8/2025</a:t>
+              <a:t>10/10/2025</a:t>
             </a:fld>
             <a:endParaRPr lang="en-US"/>
           </a:p>
@@ -3028,7 +3028,7 @@
           <a:p>
             <a:fld id="{6F24E30B-A555-4310-8311-9C6BAEA5F886}" type="datetimeFigureOut">
               <a:rPr lang="en-US" smtClean="0"/>
-              <a:t>10/8/2025</a:t>
+              <a:t>10/10/2025</a:t>
             </a:fld>
             <a:endParaRPr lang="en-US"/>
           </a:p>
@@ -3146,7 +3146,7 @@
           <a:p>
             <a:fld id="{6F24E30B-A555-4310-8311-9C6BAEA5F886}" type="datetimeFigureOut">
               <a:rPr lang="en-US" smtClean="0"/>
-              <a:t>10/8/2025</a:t>
+              <a:t>10/10/2025</a:t>
             </a:fld>
             <a:endParaRPr lang="en-US"/>
           </a:p>
@@ -3241,7 +3241,7 @@
           <a:p>
             <a:fld id="{6F24E30B-A555-4310-8311-9C6BAEA5F886}" type="datetimeFigureOut">
               <a:rPr lang="en-US" smtClean="0"/>
-              <a:t>10/8/2025</a:t>
+              <a:t>10/10/2025</a:t>
             </a:fld>
             <a:endParaRPr lang="en-US"/>
           </a:p>
@@ -3518,7 +3518,7 @@
           <a:p>
             <a:fld id="{6F24E30B-A555-4310-8311-9C6BAEA5F886}" type="datetimeFigureOut">
               <a:rPr lang="en-US" smtClean="0"/>
-              <a:t>10/8/2025</a:t>
+              <a:t>10/10/2025</a:t>
             </a:fld>
             <a:endParaRPr lang="en-US"/>
           </a:p>
@@ -3775,7 +3775,7 @@
           <a:p>
             <a:fld id="{6F24E30B-A555-4310-8311-9C6BAEA5F886}" type="datetimeFigureOut">
               <a:rPr lang="en-US" smtClean="0"/>
-              <a:t>10/8/2025</a:t>
+              <a:t>10/10/2025</a:t>
             </a:fld>
             <a:endParaRPr lang="en-US"/>
           </a:p>
@@ -3988,7 +3988,7 @@
           <a:p>
             <a:fld id="{6F24E30B-A555-4310-8311-9C6BAEA5F886}" type="datetimeFigureOut">
               <a:rPr lang="en-US" smtClean="0"/>
-              <a:t>10/8/2025</a:t>
+              <a:t>10/10/2025</a:t>
             </a:fld>
             <a:endParaRPr lang="en-US"/>
           </a:p>
@@ -18597,7 +18597,7 @@
                 <a:ea typeface="Cascadia Code" panose="020B0609020000020004" pitchFamily="49" charset="0"/>
                 <a:cs typeface="Cascadia Code" panose="020B0609020000020004" pitchFamily="49" charset="0"/>
               </a:rPr>
-              <a:t>HTML Basic &amp; Element</a:t>
+              <a:t>HTML Structure</a:t>
             </a:r>
           </a:p>
         </p:txBody>
@@ -19147,10 +19147,10 @@
       </p:sp>
       <p:grpSp>
         <p:nvGrpSpPr>
-          <p:cNvPr id="45" name="Group 44">
+          <p:cNvPr id="10" name="Group 9">
             <a:extLst>
               <a:ext uri="{FF2B5EF4-FFF2-40B4-BE49-F238E27FC236}">
-                <a16:creationId xmlns:a16="http://schemas.microsoft.com/office/drawing/2014/main" id="{345352D9-4DEB-F7AB-D7B1-7802AA7350B8}"/>
+                <a16:creationId xmlns:a16="http://schemas.microsoft.com/office/drawing/2014/main" id="{C945BE3D-E1A3-4B48-B606-D29DD2009E45}"/>
               </a:ext>
             </a:extLst>
           </p:cNvPr>
@@ -19159,289 +19159,18 @@
         </p:nvGrpSpPr>
         <p:grpSpPr>
           <a:xfrm>
-            <a:off x="3038168" y="1920209"/>
-            <a:ext cx="4813784" cy="914400"/>
-            <a:chOff x="3038168" y="1920209"/>
-            <a:chExt cx="4813784" cy="914400"/>
-          </a:xfrm>
-        </p:grpSpPr>
-        <p:cxnSp>
-          <p:nvCxnSpPr>
-            <p:cNvPr id="31" name="Straight Arrow Connector 30">
-              <a:extLst>
-                <a:ext uri="{FF2B5EF4-FFF2-40B4-BE49-F238E27FC236}">
-                  <a16:creationId xmlns:a16="http://schemas.microsoft.com/office/drawing/2014/main" id="{0BA99994-0B7E-1DF6-0688-309820BD13B6}"/>
-                </a:ext>
-              </a:extLst>
-            </p:cNvPr>
-            <p:cNvCxnSpPr>
-              <a:cxnSpLocks/>
-            </p:cNvCxnSpPr>
-            <p:nvPr/>
-          </p:nvCxnSpPr>
-          <p:spPr>
-            <a:xfrm flipH="1">
-              <a:off x="3038168" y="2377409"/>
-              <a:ext cx="2153562" cy="0"/>
-            </a:xfrm>
-            <a:prstGeom prst="straightConnector1">
-              <a:avLst/>
-            </a:prstGeom>
-            <a:ln w="76200">
-              <a:tailEnd type="triangle"/>
-            </a:ln>
-          </p:spPr>
-          <p:style>
-            <a:lnRef idx="1">
-              <a:schemeClr val="accent1"/>
-            </a:lnRef>
-            <a:fillRef idx="0">
-              <a:schemeClr val="accent1"/>
-            </a:fillRef>
-            <a:effectRef idx="0">
-              <a:schemeClr val="accent1"/>
-            </a:effectRef>
-            <a:fontRef idx="minor">
-              <a:schemeClr val="tx1"/>
-            </a:fontRef>
-          </p:style>
-        </p:cxnSp>
-        <p:sp>
-          <p:nvSpPr>
-            <p:cNvPr id="37" name="Rectangle 36">
-              <a:extLst>
-                <a:ext uri="{FF2B5EF4-FFF2-40B4-BE49-F238E27FC236}">
-                  <a16:creationId xmlns:a16="http://schemas.microsoft.com/office/drawing/2014/main" id="{1617AE20-11C0-2EA3-662E-1388F5E44163}"/>
-                </a:ext>
-              </a:extLst>
-            </p:cNvPr>
-            <p:cNvSpPr/>
-            <p:nvPr/>
-          </p:nvSpPr>
-          <p:spPr>
-            <a:xfrm>
-              <a:off x="5191730" y="1920209"/>
-              <a:ext cx="2660222" cy="914400"/>
-            </a:xfrm>
-            <a:prstGeom prst="rect">
-              <a:avLst/>
-            </a:prstGeom>
-            <a:solidFill>
-              <a:schemeClr val="accent2">
-                <a:lumMod val="20000"/>
-                <a:lumOff val="80000"/>
-              </a:schemeClr>
-            </a:solidFill>
-          </p:spPr>
-          <p:style>
-            <a:lnRef idx="2">
-              <a:schemeClr val="accent2"/>
-            </a:lnRef>
-            <a:fillRef idx="1">
-              <a:schemeClr val="lt1"/>
-            </a:fillRef>
-            <a:effectRef idx="0">
-              <a:schemeClr val="accent2"/>
-            </a:effectRef>
-            <a:fontRef idx="minor">
-              <a:schemeClr val="dk1"/>
-            </a:fontRef>
-          </p:style>
-          <p:txBody>
-            <a:bodyPr rtlCol="0" anchor="ctr"/>
-            <a:lstStyle/>
-            <a:p>
-              <a:pPr algn="ctr"/>
-              <a:r>
-                <a:rPr lang="en-US" sz="2800" dirty="0">
-                  <a:solidFill>
-                    <a:schemeClr val="accent4"/>
-                  </a:solidFill>
-                  <a:latin typeface="Cascadia Code" panose="020B0609020000020004" pitchFamily="49" charset="0"/>
-                  <a:ea typeface="Cascadia Code" panose="020B0609020000020004" pitchFamily="49" charset="0"/>
-                  <a:cs typeface="Cascadia Code" panose="020B0609020000020004" pitchFamily="49" charset="0"/>
-                </a:rPr>
-                <a:t>Declaration HTML5</a:t>
-              </a:r>
-            </a:p>
-          </p:txBody>
-        </p:sp>
-      </p:grpSp>
-      <p:grpSp>
-        <p:nvGrpSpPr>
-          <p:cNvPr id="47" name="Group 46">
-            <a:extLst>
-              <a:ext uri="{FF2B5EF4-FFF2-40B4-BE49-F238E27FC236}">
-                <a16:creationId xmlns:a16="http://schemas.microsoft.com/office/drawing/2014/main" id="{01072E6D-72F7-AE55-45F7-446CA2AA9D18}"/>
-              </a:ext>
-            </a:extLst>
-          </p:cNvPr>
-          <p:cNvGrpSpPr/>
-          <p:nvPr/>
-        </p:nvGrpSpPr>
-        <p:grpSpPr>
-          <a:xfrm>
-            <a:off x="3374220" y="3007228"/>
-            <a:ext cx="4592895" cy="1111197"/>
-            <a:chOff x="2847220" y="2210226"/>
-            <a:chExt cx="4592895" cy="1111197"/>
-          </a:xfrm>
-        </p:grpSpPr>
-        <p:cxnSp>
-          <p:nvCxnSpPr>
-            <p:cNvPr id="48" name="Straight Arrow Connector 47">
-              <a:extLst>
-                <a:ext uri="{FF2B5EF4-FFF2-40B4-BE49-F238E27FC236}">
-                  <a16:creationId xmlns:a16="http://schemas.microsoft.com/office/drawing/2014/main" id="{11DADA25-2AFA-CD53-2F56-2AD27AA01CE6}"/>
-                </a:ext>
-              </a:extLst>
-            </p:cNvPr>
-            <p:cNvCxnSpPr>
-              <a:cxnSpLocks/>
-            </p:cNvCxnSpPr>
-            <p:nvPr/>
-          </p:nvCxnSpPr>
-          <p:spPr>
-            <a:xfrm flipH="1" flipV="1">
-              <a:off x="2847220" y="2210226"/>
-              <a:ext cx="2153562" cy="292925"/>
-            </a:xfrm>
-            <a:prstGeom prst="straightConnector1">
-              <a:avLst/>
-            </a:prstGeom>
-            <a:ln w="76200">
-              <a:solidFill>
-                <a:schemeClr val="accent6">
-                  <a:lumMod val="60000"/>
-                  <a:lumOff val="40000"/>
-                </a:schemeClr>
-              </a:solidFill>
-              <a:tailEnd type="triangle"/>
-            </a:ln>
-          </p:spPr>
-          <p:style>
-            <a:lnRef idx="1">
-              <a:schemeClr val="accent1"/>
-            </a:lnRef>
-            <a:fillRef idx="0">
-              <a:schemeClr val="accent1"/>
-            </a:fillRef>
-            <a:effectRef idx="0">
-              <a:schemeClr val="accent1"/>
-            </a:effectRef>
-            <a:fontRef idx="minor">
-              <a:schemeClr val="tx1"/>
-            </a:fontRef>
-          </p:style>
-        </p:cxnSp>
-        <p:sp>
-          <p:nvSpPr>
-            <p:cNvPr id="49" name="Rectangle 48">
-              <a:extLst>
-                <a:ext uri="{FF2B5EF4-FFF2-40B4-BE49-F238E27FC236}">
-                  <a16:creationId xmlns:a16="http://schemas.microsoft.com/office/drawing/2014/main" id="{E7771DFB-9AA2-CB48-CCAB-855F518824AF}"/>
-                </a:ext>
-              </a:extLst>
-            </p:cNvPr>
-            <p:cNvSpPr/>
-            <p:nvPr/>
-          </p:nvSpPr>
-          <p:spPr>
-            <a:xfrm>
-              <a:off x="4779893" y="2407023"/>
-              <a:ext cx="2660222" cy="914400"/>
-            </a:xfrm>
-            <a:prstGeom prst="rect">
-              <a:avLst/>
-            </a:prstGeom>
-            <a:solidFill>
-              <a:schemeClr val="accent6">
-                <a:lumMod val="40000"/>
-                <a:lumOff val="60000"/>
-              </a:schemeClr>
-            </a:solidFill>
-          </p:spPr>
-          <p:style>
-            <a:lnRef idx="2">
-              <a:schemeClr val="accent2"/>
-            </a:lnRef>
-            <a:fillRef idx="1">
-              <a:schemeClr val="lt1"/>
-            </a:fillRef>
-            <a:effectRef idx="0">
-              <a:schemeClr val="accent2"/>
-            </a:effectRef>
-            <a:fontRef idx="minor">
-              <a:schemeClr val="dk1"/>
-            </a:fontRef>
-          </p:style>
-          <p:txBody>
-            <a:bodyPr rtlCol="0" anchor="ctr"/>
-            <a:lstStyle/>
-            <a:p>
-              <a:pPr algn="ctr"/>
-              <a:r>
-                <a:rPr lang="en-US" sz="2800" dirty="0">
-                  <a:solidFill>
-                    <a:schemeClr val="accent4"/>
-                  </a:solidFill>
-                  <a:latin typeface="Cascadia Code" panose="020B0609020000020004" pitchFamily="49" charset="0"/>
-                  <a:ea typeface="Cascadia Code" panose="020B0609020000020004" pitchFamily="49" charset="0"/>
-                  <a:cs typeface="Cascadia Code" panose="020B0609020000020004" pitchFamily="49" charset="0"/>
-                </a:rPr>
-                <a:t>Element</a:t>
-              </a:r>
-              <a:br>
-                <a:rPr lang="en-US" sz="2800" dirty="0">
-                  <a:solidFill>
-                    <a:schemeClr val="accent4"/>
-                  </a:solidFill>
-                  <a:latin typeface="Cascadia Code" panose="020B0609020000020004" pitchFamily="49" charset="0"/>
-                  <a:ea typeface="Cascadia Code" panose="020B0609020000020004" pitchFamily="49" charset="0"/>
-                  <a:cs typeface="Cascadia Code" panose="020B0609020000020004" pitchFamily="49" charset="0"/>
-                </a:rPr>
-              </a:br>
-              <a:r>
-                <a:rPr lang="en-US" sz="2400" dirty="0">
-                  <a:solidFill>
-                    <a:schemeClr val="accent4"/>
-                  </a:solidFill>
-                  <a:latin typeface="Cascadia Code" panose="020B0609020000020004" pitchFamily="49" charset="0"/>
-                  <a:ea typeface="Cascadia Code" panose="020B0609020000020004" pitchFamily="49" charset="0"/>
-                  <a:cs typeface="Cascadia Code" panose="020B0609020000020004" pitchFamily="49" charset="0"/>
-                </a:rPr>
-                <a:t>&lt;html&gt;&lt;/html&gt;</a:t>
-              </a:r>
-            </a:p>
-          </p:txBody>
-        </p:sp>
-      </p:grpSp>
-      <p:grpSp>
-        <p:nvGrpSpPr>
-          <p:cNvPr id="64" name="Group 63">
-            <a:extLst>
-              <a:ext uri="{FF2B5EF4-FFF2-40B4-BE49-F238E27FC236}">
-                <a16:creationId xmlns:a16="http://schemas.microsoft.com/office/drawing/2014/main" id="{CBCF0607-C55C-2D86-5E40-F3F01517324C}"/>
-              </a:ext>
-            </a:extLst>
-          </p:cNvPr>
-          <p:cNvGrpSpPr/>
-          <p:nvPr/>
-        </p:nvGrpSpPr>
-        <p:grpSpPr>
-          <a:xfrm>
-            <a:off x="3425847" y="4118425"/>
-            <a:ext cx="5364259" cy="1674838"/>
-            <a:chOff x="3425847" y="4118425"/>
-            <a:chExt cx="5364259" cy="1674838"/>
+            <a:off x="466139" y="1920209"/>
+            <a:ext cx="7385813" cy="914400"/>
+            <a:chOff x="466139" y="1920209"/>
+            <a:chExt cx="7385813" cy="914400"/>
           </a:xfrm>
         </p:grpSpPr>
         <p:grpSp>
           <p:nvGrpSpPr>
-            <p:cNvPr id="54" name="Group 53">
+            <p:cNvPr id="45" name="Group 44">
               <a:extLst>
                 <a:ext uri="{FF2B5EF4-FFF2-40B4-BE49-F238E27FC236}">
-                  <a16:creationId xmlns:a16="http://schemas.microsoft.com/office/drawing/2014/main" id="{19942747-C2EB-7715-C3F5-D52C0518E959}"/>
+                  <a16:creationId xmlns:a16="http://schemas.microsoft.com/office/drawing/2014/main" id="{345352D9-4DEB-F7AB-D7B1-7802AA7350B8}"/>
                 </a:ext>
               </a:extLst>
             </p:cNvPr>
@@ -19450,18 +19179,18 @@
           </p:nvGrpSpPr>
           <p:grpSpPr>
             <a:xfrm>
-              <a:off x="3425847" y="4118425"/>
-              <a:ext cx="3302718" cy="1674838"/>
-              <a:chOff x="2887373" y="694575"/>
-              <a:chExt cx="3302718" cy="1674838"/>
+              <a:off x="3038168" y="1920209"/>
+              <a:ext cx="4813784" cy="914400"/>
+              <a:chOff x="3038168" y="1920209"/>
+              <a:chExt cx="4813784" cy="914400"/>
             </a:xfrm>
           </p:grpSpPr>
           <p:cxnSp>
             <p:nvCxnSpPr>
-              <p:cNvPr id="55" name="Straight Arrow Connector 54">
+              <p:cNvPr id="31" name="Straight Arrow Connector 30">
                 <a:extLst>
                   <a:ext uri="{FF2B5EF4-FFF2-40B4-BE49-F238E27FC236}">
-                    <a16:creationId xmlns:a16="http://schemas.microsoft.com/office/drawing/2014/main" id="{A711DCFE-2331-1867-8FFD-0DA7F95979ED}"/>
+                    <a16:creationId xmlns:a16="http://schemas.microsoft.com/office/drawing/2014/main" id="{0BA99994-0B7E-1DF6-0688-309820BD13B6}"/>
                   </a:ext>
                 </a:extLst>
               </p:cNvPr>
@@ -19471,20 +19200,14 @@
               <p:nvPr/>
             </p:nvCxnSpPr>
             <p:spPr>
-              <a:xfrm flipV="1">
-                <a:off x="4816289" y="694575"/>
-                <a:ext cx="1373802" cy="986050"/>
+              <a:xfrm flipH="1">
+                <a:off x="3038168" y="2377409"/>
+                <a:ext cx="2153562" cy="0"/>
               </a:xfrm>
               <a:prstGeom prst="straightConnector1">
                 <a:avLst/>
               </a:prstGeom>
               <a:ln w="76200">
-                <a:solidFill>
-                  <a:schemeClr val="accent6">
-                    <a:lumMod val="60000"/>
-                    <a:lumOff val="40000"/>
-                  </a:schemeClr>
-                </a:solidFill>
                 <a:tailEnd type="triangle"/>
               </a:ln>
             </p:spPr>
@@ -19505,10 +19228,10 @@
           </p:cxnSp>
           <p:sp>
             <p:nvSpPr>
-              <p:cNvPr id="56" name="Rectangle 55">
+              <p:cNvPr id="37" name="Rectangle 36">
                 <a:extLst>
                   <a:ext uri="{FF2B5EF4-FFF2-40B4-BE49-F238E27FC236}">
-                    <a16:creationId xmlns:a16="http://schemas.microsoft.com/office/drawing/2014/main" id="{43847646-1ED6-BEA0-6EFC-5059C39413B4}"/>
+                    <a16:creationId xmlns:a16="http://schemas.microsoft.com/office/drawing/2014/main" id="{1617AE20-11C0-2EA3-662E-1388F5E44163}"/>
                   </a:ext>
                 </a:extLst>
               </p:cNvPr>
@@ -19517,16 +19240,16 @@
             </p:nvSpPr>
             <p:spPr>
               <a:xfrm>
-                <a:off x="2887373" y="1652223"/>
-                <a:ext cx="2268265" cy="717190"/>
+                <a:off x="5191730" y="1920209"/>
+                <a:ext cx="2660222" cy="914400"/>
               </a:xfrm>
               <a:prstGeom prst="rect">
                 <a:avLst/>
               </a:prstGeom>
               <a:solidFill>
-                <a:schemeClr val="accent6">
-                  <a:lumMod val="40000"/>
-                  <a:lumOff val="60000"/>
+                <a:schemeClr val="accent2">
+                  <a:lumMod val="20000"/>
+                  <a:lumOff val="80000"/>
                 </a:schemeClr>
               </a:solidFill>
             </p:spPr>
@@ -19550,7 +19273,7 @@
               <a:p>
                 <a:pPr algn="ctr"/>
                 <a:r>
-                  <a:rPr lang="en-US" sz="2400" dirty="0">
+                  <a:rPr lang="en-US" sz="2800" dirty="0">
                     <a:solidFill>
                       <a:schemeClr val="accent4"/>
                     </a:solidFill>
@@ -19558,47 +19281,86 @@
                     <a:ea typeface="Cascadia Code" panose="020B0609020000020004" pitchFamily="49" charset="0"/>
                     <a:cs typeface="Cascadia Code" panose="020B0609020000020004" pitchFamily="49" charset="0"/>
                   </a:rPr>
-                  <a:t>Element</a:t>
+                  <a:t>Declaration HTML5</a:t>
                 </a:r>
-                <a:br>
-                  <a:rPr lang="en-US" sz="2400" dirty="0">
-                    <a:solidFill>
-                      <a:schemeClr val="accent4"/>
-                    </a:solidFill>
-                    <a:latin typeface="Cascadia Code" panose="020B0609020000020004" pitchFamily="49" charset="0"/>
-                    <a:ea typeface="Cascadia Code" panose="020B0609020000020004" pitchFamily="49" charset="0"/>
-                    <a:cs typeface="Cascadia Code" panose="020B0609020000020004" pitchFamily="49" charset="0"/>
-                  </a:rPr>
-                </a:br>
-                <a:r>
-                  <a:rPr lang="en-US" sz="2000" dirty="0">
-                    <a:solidFill>
-                      <a:schemeClr val="accent4"/>
-                    </a:solidFill>
-                    <a:latin typeface="Cascadia Code" panose="020B0609020000020004" pitchFamily="49" charset="0"/>
-                    <a:ea typeface="Cascadia Code" panose="020B0609020000020004" pitchFamily="49" charset="0"/>
-                    <a:cs typeface="Cascadia Code" panose="020B0609020000020004" pitchFamily="49" charset="0"/>
-                  </a:rPr>
-                  <a:t>&lt;head&gt;&lt;/head&gt;</a:t>
-                </a:r>
-                <a:endParaRPr lang="en-US" sz="2400" dirty="0">
-                  <a:solidFill>
-                    <a:schemeClr val="accent4"/>
-                  </a:solidFill>
-                  <a:latin typeface="Cascadia Code" panose="020B0609020000020004" pitchFamily="49" charset="0"/>
-                  <a:ea typeface="Cascadia Code" panose="020B0609020000020004" pitchFamily="49" charset="0"/>
-                  <a:cs typeface="Cascadia Code" panose="020B0609020000020004" pitchFamily="49" charset="0"/>
-                </a:endParaRPr>
               </a:p>
             </p:txBody>
           </p:sp>
         </p:grpSp>
+        <p:sp>
+          <p:nvSpPr>
+            <p:cNvPr id="3" name="Rectangle 2">
+              <a:extLst>
+                <a:ext uri="{FF2B5EF4-FFF2-40B4-BE49-F238E27FC236}">
+                  <a16:creationId xmlns:a16="http://schemas.microsoft.com/office/drawing/2014/main" id="{8EE69221-271D-4632-492E-76D89DCEB717}"/>
+                </a:ext>
+              </a:extLst>
+            </p:cNvPr>
+            <p:cNvSpPr/>
+            <p:nvPr/>
+          </p:nvSpPr>
+          <p:spPr>
+            <a:xfrm>
+              <a:off x="466139" y="2168399"/>
+              <a:ext cx="2572029" cy="373083"/>
+            </a:xfrm>
+            <a:prstGeom prst="rect">
+              <a:avLst/>
+            </a:prstGeom>
+            <a:noFill/>
+          </p:spPr>
+          <p:style>
+            <a:lnRef idx="2">
+              <a:schemeClr val="accent1">
+                <a:shade val="15000"/>
+              </a:schemeClr>
+            </a:lnRef>
+            <a:fillRef idx="1">
+              <a:schemeClr val="accent1"/>
+            </a:fillRef>
+            <a:effectRef idx="0">
+              <a:schemeClr val="accent1"/>
+            </a:effectRef>
+            <a:fontRef idx="minor">
+              <a:schemeClr val="lt1"/>
+            </a:fontRef>
+          </p:style>
+          <p:txBody>
+            <a:bodyPr rtlCol="0" anchor="ctr"/>
+            <a:lstStyle/>
+            <a:p>
+              <a:pPr algn="ctr"/>
+              <a:endParaRPr lang="en-US" dirty="0"/>
+            </a:p>
+          </p:txBody>
+        </p:sp>
+      </p:grpSp>
+      <p:grpSp>
+        <p:nvGrpSpPr>
+          <p:cNvPr id="61" name="Group 60">
+            <a:extLst>
+              <a:ext uri="{FF2B5EF4-FFF2-40B4-BE49-F238E27FC236}">
+                <a16:creationId xmlns:a16="http://schemas.microsoft.com/office/drawing/2014/main" id="{9ACAB4BB-DA21-DFDD-ABAA-C554D82C272A}"/>
+              </a:ext>
+            </a:extLst>
+          </p:cNvPr>
+          <p:cNvGrpSpPr/>
+          <p:nvPr/>
+        </p:nvGrpSpPr>
+        <p:grpSpPr>
+          <a:xfrm>
+            <a:off x="455404" y="2657012"/>
+            <a:ext cx="7396548" cy="3131164"/>
+            <a:chOff x="455404" y="2657012"/>
+            <a:chExt cx="7396548" cy="3131164"/>
+          </a:xfrm>
+        </p:grpSpPr>
         <p:grpSp>
           <p:nvGrpSpPr>
-            <p:cNvPr id="63" name="Group 62">
+            <p:cNvPr id="52" name="Group 51">
               <a:extLst>
                 <a:ext uri="{FF2B5EF4-FFF2-40B4-BE49-F238E27FC236}">
-                  <a16:creationId xmlns:a16="http://schemas.microsoft.com/office/drawing/2014/main" id="{854D27D2-4858-B6F3-CADF-C336E3894ACE}"/>
+                  <a16:creationId xmlns:a16="http://schemas.microsoft.com/office/drawing/2014/main" id="{3DF1AA58-EDB1-BAF4-FABF-4D83276A1146}"/>
                 </a:ext>
               </a:extLst>
             </p:cNvPr>
@@ -19607,12 +19369,869 @@
           </p:nvGrpSpPr>
           <p:grpSpPr>
             <a:xfrm>
-              <a:off x="6521841" y="4118425"/>
-              <a:ext cx="2268265" cy="1631696"/>
-              <a:chOff x="6289960" y="3785875"/>
-              <a:chExt cx="2268265" cy="1631696"/>
+              <a:off x="466139" y="2657012"/>
+              <a:ext cx="7385813" cy="1461413"/>
+              <a:chOff x="466139" y="2657012"/>
+              <a:chExt cx="7385813" cy="1461413"/>
             </a:xfrm>
           </p:grpSpPr>
+          <p:grpSp>
+            <p:nvGrpSpPr>
+              <p:cNvPr id="47" name="Group 46">
+                <a:extLst>
+                  <a:ext uri="{FF2B5EF4-FFF2-40B4-BE49-F238E27FC236}">
+                    <a16:creationId xmlns:a16="http://schemas.microsoft.com/office/drawing/2014/main" id="{01072E6D-72F7-AE55-45F7-446CA2AA9D18}"/>
+                  </a:ext>
+                </a:extLst>
+              </p:cNvPr>
+              <p:cNvGrpSpPr/>
+              <p:nvPr/>
+            </p:nvGrpSpPr>
+            <p:grpSpPr>
+              <a:xfrm>
+                <a:off x="3374220" y="3007228"/>
+                <a:ext cx="4477732" cy="1111197"/>
+                <a:chOff x="2847220" y="2210226"/>
+                <a:chExt cx="4477732" cy="1111197"/>
+              </a:xfrm>
+            </p:grpSpPr>
+            <p:cxnSp>
+              <p:nvCxnSpPr>
+                <p:cNvPr id="48" name="Straight Arrow Connector 47">
+                  <a:extLst>
+                    <a:ext uri="{FF2B5EF4-FFF2-40B4-BE49-F238E27FC236}">
+                      <a16:creationId xmlns:a16="http://schemas.microsoft.com/office/drawing/2014/main" id="{11DADA25-2AFA-CD53-2F56-2AD27AA01CE6}"/>
+                    </a:ext>
+                  </a:extLst>
+                </p:cNvPr>
+                <p:cNvCxnSpPr>
+                  <a:cxnSpLocks/>
+                </p:cNvCxnSpPr>
+                <p:nvPr/>
+              </p:nvCxnSpPr>
+              <p:spPr>
+                <a:xfrm flipH="1" flipV="1">
+                  <a:off x="2847220" y="2210226"/>
+                  <a:ext cx="2153562" cy="292925"/>
+                </a:xfrm>
+                <a:prstGeom prst="straightConnector1">
+                  <a:avLst/>
+                </a:prstGeom>
+                <a:ln w="76200">
+                  <a:solidFill>
+                    <a:schemeClr val="accent6">
+                      <a:lumMod val="60000"/>
+                      <a:lumOff val="40000"/>
+                    </a:schemeClr>
+                  </a:solidFill>
+                  <a:tailEnd type="triangle"/>
+                </a:ln>
+              </p:spPr>
+              <p:style>
+                <a:lnRef idx="1">
+                  <a:schemeClr val="accent1"/>
+                </a:lnRef>
+                <a:fillRef idx="0">
+                  <a:schemeClr val="accent1"/>
+                </a:fillRef>
+                <a:effectRef idx="0">
+                  <a:schemeClr val="accent1"/>
+                </a:effectRef>
+                <a:fontRef idx="minor">
+                  <a:schemeClr val="tx1"/>
+                </a:fontRef>
+              </p:style>
+            </p:cxnSp>
+            <p:sp>
+              <p:nvSpPr>
+                <p:cNvPr id="49" name="Rectangle 48">
+                  <a:extLst>
+                    <a:ext uri="{FF2B5EF4-FFF2-40B4-BE49-F238E27FC236}">
+                      <a16:creationId xmlns:a16="http://schemas.microsoft.com/office/drawing/2014/main" id="{E7771DFB-9AA2-CB48-CCAB-855F518824AF}"/>
+                    </a:ext>
+                  </a:extLst>
+                </p:cNvPr>
+                <p:cNvSpPr/>
+                <p:nvPr/>
+              </p:nvSpPr>
+              <p:spPr>
+                <a:xfrm>
+                  <a:off x="4664730" y="2407023"/>
+                  <a:ext cx="2660222" cy="914400"/>
+                </a:xfrm>
+                <a:prstGeom prst="rect">
+                  <a:avLst/>
+                </a:prstGeom>
+                <a:solidFill>
+                  <a:schemeClr val="accent6">
+                    <a:lumMod val="40000"/>
+                    <a:lumOff val="60000"/>
+                  </a:schemeClr>
+                </a:solidFill>
+              </p:spPr>
+              <p:style>
+                <a:lnRef idx="2">
+                  <a:schemeClr val="accent2"/>
+                </a:lnRef>
+                <a:fillRef idx="1">
+                  <a:schemeClr val="lt1"/>
+                </a:fillRef>
+                <a:effectRef idx="0">
+                  <a:schemeClr val="accent2"/>
+                </a:effectRef>
+                <a:fontRef idx="minor">
+                  <a:schemeClr val="dk1"/>
+                </a:fontRef>
+              </p:style>
+              <p:txBody>
+                <a:bodyPr rtlCol="0" anchor="ctr"/>
+                <a:lstStyle/>
+                <a:p>
+                  <a:pPr algn="ctr"/>
+                  <a:r>
+                    <a:rPr lang="en-US" sz="2800" dirty="0">
+                      <a:solidFill>
+                        <a:schemeClr val="accent4"/>
+                      </a:solidFill>
+                      <a:latin typeface="Cascadia Code" panose="020B0609020000020004" pitchFamily="49" charset="0"/>
+                      <a:ea typeface="Cascadia Code" panose="020B0609020000020004" pitchFamily="49" charset="0"/>
+                      <a:cs typeface="Cascadia Code" panose="020B0609020000020004" pitchFamily="49" charset="0"/>
+                    </a:rPr>
+                    <a:t>Element</a:t>
+                  </a:r>
+                  <a:br>
+                    <a:rPr lang="en-US" sz="2800" dirty="0">
+                      <a:solidFill>
+                        <a:schemeClr val="accent4"/>
+                      </a:solidFill>
+                      <a:latin typeface="Cascadia Code" panose="020B0609020000020004" pitchFamily="49" charset="0"/>
+                      <a:ea typeface="Cascadia Code" panose="020B0609020000020004" pitchFamily="49" charset="0"/>
+                      <a:cs typeface="Cascadia Code" panose="020B0609020000020004" pitchFamily="49" charset="0"/>
+                    </a:rPr>
+                  </a:br>
+                  <a:r>
+                    <a:rPr lang="en-US" sz="2400" dirty="0">
+                      <a:solidFill>
+                        <a:schemeClr val="accent4"/>
+                      </a:solidFill>
+                      <a:latin typeface="Cascadia Code" panose="020B0609020000020004" pitchFamily="49" charset="0"/>
+                      <a:ea typeface="Cascadia Code" panose="020B0609020000020004" pitchFamily="49" charset="0"/>
+                      <a:cs typeface="Cascadia Code" panose="020B0609020000020004" pitchFamily="49" charset="0"/>
+                    </a:rPr>
+                    <a:t>&lt;html&gt;&lt;/html&gt;</a:t>
+                  </a:r>
+                </a:p>
+              </p:txBody>
+            </p:sp>
+          </p:grpSp>
+          <p:sp>
+            <p:nvSpPr>
+              <p:cNvPr id="16" name="Rectangle 15">
+                <a:extLst>
+                  <a:ext uri="{FF2B5EF4-FFF2-40B4-BE49-F238E27FC236}">
+                    <a16:creationId xmlns:a16="http://schemas.microsoft.com/office/drawing/2014/main" id="{6458FE3C-61CC-1DC6-A38D-20BBAA270A25}"/>
+                  </a:ext>
+                </a:extLst>
+              </p:cNvPr>
+              <p:cNvSpPr/>
+              <p:nvPr/>
+            </p:nvSpPr>
+            <p:spPr>
+              <a:xfrm>
+                <a:off x="466139" y="2657012"/>
+                <a:ext cx="2660222" cy="393224"/>
+              </a:xfrm>
+              <a:prstGeom prst="rect">
+                <a:avLst/>
+              </a:prstGeom>
+              <a:noFill/>
+            </p:spPr>
+            <p:style>
+              <a:lnRef idx="2">
+                <a:schemeClr val="accent1">
+                  <a:shade val="15000"/>
+                </a:schemeClr>
+              </a:lnRef>
+              <a:fillRef idx="1">
+                <a:schemeClr val="accent1"/>
+              </a:fillRef>
+              <a:effectRef idx="0">
+                <a:schemeClr val="accent1"/>
+              </a:effectRef>
+              <a:fontRef idx="minor">
+                <a:schemeClr val="lt1"/>
+              </a:fontRef>
+            </p:style>
+            <p:txBody>
+              <a:bodyPr rtlCol="0" anchor="ctr"/>
+              <a:lstStyle/>
+              <a:p>
+                <a:pPr algn="ctr"/>
+                <a:endParaRPr lang="en-US"/>
+              </a:p>
+            </p:txBody>
+          </p:sp>
+        </p:grpSp>
+        <p:sp>
+          <p:nvSpPr>
+            <p:cNvPr id="21" name="Rectangle 20">
+              <a:extLst>
+                <a:ext uri="{FF2B5EF4-FFF2-40B4-BE49-F238E27FC236}">
+                  <a16:creationId xmlns:a16="http://schemas.microsoft.com/office/drawing/2014/main" id="{5266D918-60C0-D076-3FF2-839BED2F6B0A}"/>
+                </a:ext>
+              </a:extLst>
+            </p:cNvPr>
+            <p:cNvSpPr/>
+            <p:nvPr/>
+          </p:nvSpPr>
+          <p:spPr>
+            <a:xfrm>
+              <a:off x="455404" y="5394952"/>
+              <a:ext cx="2660222" cy="393224"/>
+            </a:xfrm>
+            <a:prstGeom prst="rect">
+              <a:avLst/>
+            </a:prstGeom>
+            <a:noFill/>
+          </p:spPr>
+          <p:style>
+            <a:lnRef idx="2">
+              <a:schemeClr val="accent1">
+                <a:shade val="15000"/>
+              </a:schemeClr>
+            </a:lnRef>
+            <a:fillRef idx="1">
+              <a:schemeClr val="accent1"/>
+            </a:fillRef>
+            <a:effectRef idx="0">
+              <a:schemeClr val="accent1"/>
+            </a:effectRef>
+            <a:fontRef idx="minor">
+              <a:schemeClr val="lt1"/>
+            </a:fontRef>
+          </p:style>
+          <p:txBody>
+            <a:bodyPr rtlCol="0" anchor="ctr"/>
+            <a:lstStyle/>
+            <a:p>
+              <a:pPr algn="ctr"/>
+              <a:endParaRPr lang="en-US"/>
+            </a:p>
+          </p:txBody>
+        </p:sp>
+      </p:grpSp>
+      <p:grpSp>
+        <p:nvGrpSpPr>
+          <p:cNvPr id="53" name="Group 52">
+            <a:extLst>
+              <a:ext uri="{FF2B5EF4-FFF2-40B4-BE49-F238E27FC236}">
+                <a16:creationId xmlns:a16="http://schemas.microsoft.com/office/drawing/2014/main" id="{23462FDB-EF04-BBCE-9DE7-3D5C1D98FE6B}"/>
+              </a:ext>
+            </a:extLst>
+          </p:cNvPr>
+          <p:cNvGrpSpPr/>
+          <p:nvPr/>
+        </p:nvGrpSpPr>
+        <p:grpSpPr>
+          <a:xfrm>
+            <a:off x="724797" y="3153690"/>
+            <a:ext cx="7169195" cy="1831373"/>
+            <a:chOff x="724797" y="3153690"/>
+            <a:chExt cx="7169195" cy="1831373"/>
+          </a:xfrm>
+        </p:grpSpPr>
+        <p:grpSp>
+          <p:nvGrpSpPr>
+            <p:cNvPr id="32" name="Group 31">
+              <a:extLst>
+                <a:ext uri="{FF2B5EF4-FFF2-40B4-BE49-F238E27FC236}">
+                  <a16:creationId xmlns:a16="http://schemas.microsoft.com/office/drawing/2014/main" id="{BE6DFD85-1276-A1DD-A992-C278ED923703}"/>
+                </a:ext>
+              </a:extLst>
+            </p:cNvPr>
+            <p:cNvGrpSpPr/>
+            <p:nvPr/>
+          </p:nvGrpSpPr>
+          <p:grpSpPr>
+            <a:xfrm>
+              <a:off x="724797" y="3153690"/>
+              <a:ext cx="1332374" cy="1254690"/>
+              <a:chOff x="724797" y="3153690"/>
+              <a:chExt cx="1332374" cy="1254690"/>
+            </a:xfrm>
+          </p:grpSpPr>
+          <p:sp>
+            <p:nvSpPr>
+              <p:cNvPr id="25" name="Rectangle 24">
+                <a:extLst>
+                  <a:ext uri="{FF2B5EF4-FFF2-40B4-BE49-F238E27FC236}">
+                    <a16:creationId xmlns:a16="http://schemas.microsoft.com/office/drawing/2014/main" id="{B5117222-A60F-6F43-98B1-36CF4752CF64}"/>
+                  </a:ext>
+                </a:extLst>
+              </p:cNvPr>
+              <p:cNvSpPr/>
+              <p:nvPr/>
+            </p:nvSpPr>
+            <p:spPr>
+              <a:xfrm>
+                <a:off x="724797" y="3153690"/>
+                <a:ext cx="1320313" cy="393224"/>
+              </a:xfrm>
+              <a:prstGeom prst="rect">
+                <a:avLst/>
+              </a:prstGeom>
+              <a:noFill/>
+            </p:spPr>
+            <p:style>
+              <a:lnRef idx="2">
+                <a:schemeClr val="accent1">
+                  <a:shade val="15000"/>
+                </a:schemeClr>
+              </a:lnRef>
+              <a:fillRef idx="1">
+                <a:schemeClr val="accent1"/>
+              </a:fillRef>
+              <a:effectRef idx="0">
+                <a:schemeClr val="accent1"/>
+              </a:effectRef>
+              <a:fontRef idx="minor">
+                <a:schemeClr val="lt1"/>
+              </a:fontRef>
+            </p:style>
+            <p:txBody>
+              <a:bodyPr rtlCol="0" anchor="ctr"/>
+              <a:lstStyle/>
+              <a:p>
+                <a:pPr algn="ctr"/>
+                <a:endParaRPr lang="en-US"/>
+              </a:p>
+            </p:txBody>
+          </p:sp>
+          <p:sp>
+            <p:nvSpPr>
+              <p:cNvPr id="26" name="Rectangle 25">
+                <a:extLst>
+                  <a:ext uri="{FF2B5EF4-FFF2-40B4-BE49-F238E27FC236}">
+                    <a16:creationId xmlns:a16="http://schemas.microsoft.com/office/drawing/2014/main" id="{D0A04D53-5963-9356-0D98-FE19863C9D25}"/>
+                  </a:ext>
+                </a:extLst>
+              </p:cNvPr>
+              <p:cNvSpPr/>
+              <p:nvPr/>
+            </p:nvSpPr>
+            <p:spPr>
+              <a:xfrm>
+                <a:off x="736858" y="4015156"/>
+                <a:ext cx="1320313" cy="393224"/>
+              </a:xfrm>
+              <a:prstGeom prst="rect">
+                <a:avLst/>
+              </a:prstGeom>
+              <a:noFill/>
+            </p:spPr>
+            <p:style>
+              <a:lnRef idx="2">
+                <a:schemeClr val="accent1">
+                  <a:shade val="15000"/>
+                </a:schemeClr>
+              </a:lnRef>
+              <a:fillRef idx="1">
+                <a:schemeClr val="accent1"/>
+              </a:fillRef>
+              <a:effectRef idx="0">
+                <a:schemeClr val="accent1"/>
+              </a:effectRef>
+              <a:fontRef idx="minor">
+                <a:schemeClr val="lt1"/>
+              </a:fontRef>
+            </p:style>
+            <p:txBody>
+              <a:bodyPr rtlCol="0" anchor="ctr"/>
+              <a:lstStyle/>
+              <a:p>
+                <a:pPr algn="ctr"/>
+                <a:endParaRPr lang="en-US"/>
+              </a:p>
+            </p:txBody>
+          </p:sp>
+        </p:grpSp>
+        <p:grpSp>
+          <p:nvGrpSpPr>
+            <p:cNvPr id="39" name="Group 38">
+              <a:extLst>
+                <a:ext uri="{FF2B5EF4-FFF2-40B4-BE49-F238E27FC236}">
+                  <a16:creationId xmlns:a16="http://schemas.microsoft.com/office/drawing/2014/main" id="{FA12E6E1-98D2-E65D-1622-0AD34C827B9B}"/>
+                </a:ext>
+              </a:extLst>
+            </p:cNvPr>
+            <p:cNvGrpSpPr/>
+            <p:nvPr/>
+          </p:nvGrpSpPr>
+          <p:grpSpPr>
+            <a:xfrm>
+              <a:off x="2057171" y="3300153"/>
+              <a:ext cx="5836821" cy="1684910"/>
+              <a:chOff x="2057171" y="3300153"/>
+              <a:chExt cx="5836821" cy="1684910"/>
+            </a:xfrm>
+          </p:grpSpPr>
+          <p:grpSp>
+            <p:nvGrpSpPr>
+              <p:cNvPr id="54" name="Group 53">
+                <a:extLst>
+                  <a:ext uri="{FF2B5EF4-FFF2-40B4-BE49-F238E27FC236}">
+                    <a16:creationId xmlns:a16="http://schemas.microsoft.com/office/drawing/2014/main" id="{19942747-C2EB-7715-C3F5-D52C0518E959}"/>
+                  </a:ext>
+                </a:extLst>
+              </p:cNvPr>
+              <p:cNvGrpSpPr/>
+              <p:nvPr/>
+            </p:nvGrpSpPr>
+            <p:grpSpPr>
+              <a:xfrm>
+                <a:off x="2057171" y="3300153"/>
+                <a:ext cx="5836821" cy="1684910"/>
+                <a:chOff x="1518697" y="-123697"/>
+                <a:chExt cx="5836821" cy="1684910"/>
+              </a:xfrm>
+            </p:grpSpPr>
+            <p:cxnSp>
+              <p:nvCxnSpPr>
+                <p:cNvPr id="55" name="Straight Arrow Connector 54">
+                  <a:extLst>
+                    <a:ext uri="{FF2B5EF4-FFF2-40B4-BE49-F238E27FC236}">
+                      <a16:creationId xmlns:a16="http://schemas.microsoft.com/office/drawing/2014/main" id="{A711DCFE-2331-1867-8FFD-0DA7F95979ED}"/>
+                    </a:ext>
+                  </a:extLst>
+                </p:cNvPr>
+                <p:cNvCxnSpPr>
+                  <a:cxnSpLocks/>
+                </p:cNvCxnSpPr>
+                <p:nvPr/>
+              </p:nvCxnSpPr>
+              <p:spPr>
+                <a:xfrm flipH="1" flipV="1">
+                  <a:off x="1518697" y="-123697"/>
+                  <a:ext cx="3694110" cy="1232123"/>
+                </a:xfrm>
+                <a:prstGeom prst="straightConnector1">
+                  <a:avLst/>
+                </a:prstGeom>
+                <a:ln w="76200">
+                  <a:solidFill>
+                    <a:schemeClr val="accent6">
+                      <a:lumMod val="60000"/>
+                      <a:lumOff val="40000"/>
+                    </a:schemeClr>
+                  </a:solidFill>
+                  <a:tailEnd type="triangle"/>
+                </a:ln>
+              </p:spPr>
+              <p:style>
+                <a:lnRef idx="1">
+                  <a:schemeClr val="accent1"/>
+                </a:lnRef>
+                <a:fillRef idx="0">
+                  <a:schemeClr val="accent1"/>
+                </a:fillRef>
+                <a:effectRef idx="0">
+                  <a:schemeClr val="accent1"/>
+                </a:effectRef>
+                <a:fontRef idx="minor">
+                  <a:schemeClr val="tx1"/>
+                </a:fontRef>
+              </p:style>
+            </p:cxnSp>
+            <p:sp>
+              <p:nvSpPr>
+                <p:cNvPr id="56" name="Rectangle 55">
+                  <a:extLst>
+                    <a:ext uri="{FF2B5EF4-FFF2-40B4-BE49-F238E27FC236}">
+                      <a16:creationId xmlns:a16="http://schemas.microsoft.com/office/drawing/2014/main" id="{43847646-1ED6-BEA0-6EFC-5059C39413B4}"/>
+                    </a:ext>
+                  </a:extLst>
+                </p:cNvPr>
+                <p:cNvSpPr/>
+                <p:nvPr/>
+              </p:nvSpPr>
+              <p:spPr>
+                <a:xfrm>
+                  <a:off x="5087253" y="844023"/>
+                  <a:ext cx="2268265" cy="717190"/>
+                </a:xfrm>
+                <a:prstGeom prst="rect">
+                  <a:avLst/>
+                </a:prstGeom>
+                <a:solidFill>
+                  <a:schemeClr val="accent6">
+                    <a:lumMod val="40000"/>
+                    <a:lumOff val="60000"/>
+                  </a:schemeClr>
+                </a:solidFill>
+              </p:spPr>
+              <p:style>
+                <a:lnRef idx="2">
+                  <a:schemeClr val="accent2"/>
+                </a:lnRef>
+                <a:fillRef idx="1">
+                  <a:schemeClr val="lt1"/>
+                </a:fillRef>
+                <a:effectRef idx="0">
+                  <a:schemeClr val="accent2"/>
+                </a:effectRef>
+                <a:fontRef idx="minor">
+                  <a:schemeClr val="dk1"/>
+                </a:fontRef>
+              </p:style>
+              <p:txBody>
+                <a:bodyPr rtlCol="0" anchor="ctr"/>
+                <a:lstStyle/>
+                <a:p>
+                  <a:pPr algn="ctr"/>
+                  <a:r>
+                    <a:rPr lang="en-US" sz="2400" dirty="0">
+                      <a:solidFill>
+                        <a:schemeClr val="accent4"/>
+                      </a:solidFill>
+                      <a:latin typeface="Cascadia Code" panose="020B0609020000020004" pitchFamily="49" charset="0"/>
+                      <a:ea typeface="Cascadia Code" panose="020B0609020000020004" pitchFamily="49" charset="0"/>
+                      <a:cs typeface="Cascadia Code" panose="020B0609020000020004" pitchFamily="49" charset="0"/>
+                    </a:rPr>
+                    <a:t>Element</a:t>
+                  </a:r>
+                  <a:br>
+                    <a:rPr lang="en-US" sz="2400" dirty="0">
+                      <a:solidFill>
+                        <a:schemeClr val="accent4"/>
+                      </a:solidFill>
+                      <a:latin typeface="Cascadia Code" panose="020B0609020000020004" pitchFamily="49" charset="0"/>
+                      <a:ea typeface="Cascadia Code" panose="020B0609020000020004" pitchFamily="49" charset="0"/>
+                      <a:cs typeface="Cascadia Code" panose="020B0609020000020004" pitchFamily="49" charset="0"/>
+                    </a:rPr>
+                  </a:br>
+                  <a:r>
+                    <a:rPr lang="en-US" sz="2000" dirty="0">
+                      <a:solidFill>
+                        <a:schemeClr val="accent4"/>
+                      </a:solidFill>
+                      <a:latin typeface="Cascadia Code" panose="020B0609020000020004" pitchFamily="49" charset="0"/>
+                      <a:ea typeface="Cascadia Code" panose="020B0609020000020004" pitchFamily="49" charset="0"/>
+                      <a:cs typeface="Cascadia Code" panose="020B0609020000020004" pitchFamily="49" charset="0"/>
+                    </a:rPr>
+                    <a:t>&lt;head&gt;&lt;/head&gt;</a:t>
+                  </a:r>
+                  <a:endParaRPr lang="en-US" sz="2400" dirty="0">
+                    <a:solidFill>
+                      <a:schemeClr val="accent4"/>
+                    </a:solidFill>
+                    <a:latin typeface="Cascadia Code" panose="020B0609020000020004" pitchFamily="49" charset="0"/>
+                    <a:ea typeface="Cascadia Code" panose="020B0609020000020004" pitchFamily="49" charset="0"/>
+                    <a:cs typeface="Cascadia Code" panose="020B0609020000020004" pitchFamily="49" charset="0"/>
+                  </a:endParaRPr>
+                </a:p>
+              </p:txBody>
+            </p:sp>
+          </p:grpSp>
+          <p:cxnSp>
+            <p:nvCxnSpPr>
+              <p:cNvPr id="35" name="Straight Arrow Connector 34">
+                <a:extLst>
+                  <a:ext uri="{FF2B5EF4-FFF2-40B4-BE49-F238E27FC236}">
+                    <a16:creationId xmlns:a16="http://schemas.microsoft.com/office/drawing/2014/main" id="{76AB6D14-0B18-E713-7A57-68F83DC2B6E8}"/>
+                  </a:ext>
+                </a:extLst>
+              </p:cNvPr>
+              <p:cNvCxnSpPr>
+                <a:cxnSpLocks/>
+                <a:stCxn id="56" idx="1"/>
+                <a:endCxn id="26" idx="3"/>
+              </p:cNvCxnSpPr>
+              <p:nvPr/>
+            </p:nvCxnSpPr>
+            <p:spPr>
+              <a:xfrm flipH="1" flipV="1">
+                <a:off x="2057171" y="4211768"/>
+                <a:ext cx="3568556" cy="414700"/>
+              </a:xfrm>
+              <a:prstGeom prst="straightConnector1">
+                <a:avLst/>
+              </a:prstGeom>
+              <a:ln w="76200">
+                <a:solidFill>
+                  <a:schemeClr val="accent6">
+                    <a:lumMod val="60000"/>
+                    <a:lumOff val="40000"/>
+                  </a:schemeClr>
+                </a:solidFill>
+                <a:tailEnd type="triangle"/>
+              </a:ln>
+            </p:spPr>
+            <p:style>
+              <a:lnRef idx="1">
+                <a:schemeClr val="accent1"/>
+              </a:lnRef>
+              <a:fillRef idx="0">
+                <a:schemeClr val="accent1"/>
+              </a:fillRef>
+              <a:effectRef idx="0">
+                <a:schemeClr val="accent1"/>
+              </a:effectRef>
+              <a:fontRef idx="minor">
+                <a:schemeClr val="tx1"/>
+              </a:fontRef>
+            </p:style>
+          </p:cxnSp>
+        </p:grpSp>
+      </p:grpSp>
+      <p:grpSp>
+        <p:nvGrpSpPr>
+          <p:cNvPr id="57" name="Group 56">
+            <a:extLst>
+              <a:ext uri="{FF2B5EF4-FFF2-40B4-BE49-F238E27FC236}">
+                <a16:creationId xmlns:a16="http://schemas.microsoft.com/office/drawing/2014/main" id="{E56D7A50-29F7-BE8D-BE61-1A8758A51E39}"/>
+              </a:ext>
+            </a:extLst>
+          </p:cNvPr>
+          <p:cNvGrpSpPr/>
+          <p:nvPr/>
+        </p:nvGrpSpPr>
+        <p:grpSpPr>
+          <a:xfrm>
+            <a:off x="724796" y="4511834"/>
+            <a:ext cx="7169196" cy="1426653"/>
+            <a:chOff x="724796" y="4511834"/>
+            <a:chExt cx="7169196" cy="1426653"/>
+          </a:xfrm>
+        </p:grpSpPr>
+        <p:grpSp>
+          <p:nvGrpSpPr>
+            <p:cNvPr id="33" name="Group 32">
+              <a:extLst>
+                <a:ext uri="{FF2B5EF4-FFF2-40B4-BE49-F238E27FC236}">
+                  <a16:creationId xmlns:a16="http://schemas.microsoft.com/office/drawing/2014/main" id="{FD11CE63-C0B4-94FB-49BF-B397F6429180}"/>
+                </a:ext>
+              </a:extLst>
+            </p:cNvPr>
+            <p:cNvGrpSpPr/>
+            <p:nvPr/>
+          </p:nvGrpSpPr>
+          <p:grpSpPr>
+            <a:xfrm>
+              <a:off x="724796" y="4511834"/>
+              <a:ext cx="1332375" cy="838709"/>
+              <a:chOff x="724796" y="4511834"/>
+              <a:chExt cx="1332375" cy="838709"/>
+            </a:xfrm>
+          </p:grpSpPr>
+          <p:sp>
+            <p:nvSpPr>
+              <p:cNvPr id="27" name="Rectangle 26">
+                <a:extLst>
+                  <a:ext uri="{FF2B5EF4-FFF2-40B4-BE49-F238E27FC236}">
+                    <a16:creationId xmlns:a16="http://schemas.microsoft.com/office/drawing/2014/main" id="{FBDDF694-4A0C-AAC4-97B1-F22168E41E28}"/>
+                  </a:ext>
+                </a:extLst>
+              </p:cNvPr>
+              <p:cNvSpPr/>
+              <p:nvPr/>
+            </p:nvSpPr>
+            <p:spPr>
+              <a:xfrm>
+                <a:off x="724796" y="4511834"/>
+                <a:ext cx="1320313" cy="393224"/>
+              </a:xfrm>
+              <a:prstGeom prst="rect">
+                <a:avLst/>
+              </a:prstGeom>
+              <a:noFill/>
+            </p:spPr>
+            <p:style>
+              <a:lnRef idx="2">
+                <a:schemeClr val="accent1">
+                  <a:shade val="15000"/>
+                </a:schemeClr>
+              </a:lnRef>
+              <a:fillRef idx="1">
+                <a:schemeClr val="accent1"/>
+              </a:fillRef>
+              <a:effectRef idx="0">
+                <a:schemeClr val="accent1"/>
+              </a:effectRef>
+              <a:fontRef idx="minor">
+                <a:schemeClr val="lt1"/>
+              </a:fontRef>
+            </p:style>
+            <p:txBody>
+              <a:bodyPr rtlCol="0" anchor="ctr"/>
+              <a:lstStyle/>
+              <a:p>
+                <a:pPr algn="ctr"/>
+                <a:endParaRPr lang="en-US"/>
+              </a:p>
+            </p:txBody>
+          </p:sp>
+          <p:sp>
+            <p:nvSpPr>
+              <p:cNvPr id="28" name="Rectangle 27">
+                <a:extLst>
+                  <a:ext uri="{FF2B5EF4-FFF2-40B4-BE49-F238E27FC236}">
+                    <a16:creationId xmlns:a16="http://schemas.microsoft.com/office/drawing/2014/main" id="{135A3314-8148-61CB-D742-BB3031A9C57D}"/>
+                  </a:ext>
+                </a:extLst>
+              </p:cNvPr>
+              <p:cNvSpPr/>
+              <p:nvPr/>
+            </p:nvSpPr>
+            <p:spPr>
+              <a:xfrm>
+                <a:off x="736858" y="4957319"/>
+                <a:ext cx="1320313" cy="393224"/>
+              </a:xfrm>
+              <a:prstGeom prst="rect">
+                <a:avLst/>
+              </a:prstGeom>
+              <a:noFill/>
+            </p:spPr>
+            <p:style>
+              <a:lnRef idx="2">
+                <a:schemeClr val="accent1">
+                  <a:shade val="15000"/>
+                </a:schemeClr>
+              </a:lnRef>
+              <a:fillRef idx="1">
+                <a:schemeClr val="accent1"/>
+              </a:fillRef>
+              <a:effectRef idx="0">
+                <a:schemeClr val="accent1"/>
+              </a:effectRef>
+              <a:fontRef idx="minor">
+                <a:schemeClr val="lt1"/>
+              </a:fontRef>
+            </p:style>
+            <p:txBody>
+              <a:bodyPr rtlCol="0" anchor="ctr"/>
+              <a:lstStyle/>
+              <a:p>
+                <a:pPr algn="ctr"/>
+                <a:endParaRPr lang="en-US"/>
+              </a:p>
+            </p:txBody>
+          </p:sp>
+        </p:grpSp>
+        <p:grpSp>
+          <p:nvGrpSpPr>
+            <p:cNvPr id="51" name="Group 50">
+              <a:extLst>
+                <a:ext uri="{FF2B5EF4-FFF2-40B4-BE49-F238E27FC236}">
+                  <a16:creationId xmlns:a16="http://schemas.microsoft.com/office/drawing/2014/main" id="{816E3D98-514A-EAD1-E987-CF9E8DDCBCE4}"/>
+                </a:ext>
+              </a:extLst>
+            </p:cNvPr>
+            <p:cNvGrpSpPr/>
+            <p:nvPr/>
+          </p:nvGrpSpPr>
+          <p:grpSpPr>
+            <a:xfrm>
+              <a:off x="2029607" y="4719811"/>
+              <a:ext cx="5864385" cy="1218676"/>
+              <a:chOff x="2029607" y="4719811"/>
+              <a:chExt cx="5864385" cy="1218676"/>
+            </a:xfrm>
+          </p:grpSpPr>
+          <p:cxnSp>
+            <p:nvCxnSpPr>
+              <p:cNvPr id="59" name="Straight Arrow Connector 58">
+                <a:extLst>
+                  <a:ext uri="{FF2B5EF4-FFF2-40B4-BE49-F238E27FC236}">
+                    <a16:creationId xmlns:a16="http://schemas.microsoft.com/office/drawing/2014/main" id="{24268852-298C-4D44-1B5E-E15102276081}"/>
+                  </a:ext>
+                </a:extLst>
+              </p:cNvPr>
+              <p:cNvCxnSpPr>
+                <a:cxnSpLocks/>
+              </p:cNvCxnSpPr>
+              <p:nvPr/>
+            </p:nvCxnSpPr>
+            <p:spPr>
+              <a:xfrm flipH="1" flipV="1">
+                <a:off x="2057171" y="5070960"/>
+                <a:ext cx="3694110" cy="687612"/>
+              </a:xfrm>
+              <a:prstGeom prst="straightConnector1">
+                <a:avLst/>
+              </a:prstGeom>
+              <a:ln w="76200">
+                <a:solidFill>
+                  <a:schemeClr val="accent6">
+                    <a:lumMod val="60000"/>
+                    <a:lumOff val="40000"/>
+                  </a:schemeClr>
+                </a:solidFill>
+                <a:tailEnd type="triangle"/>
+              </a:ln>
+            </p:spPr>
+            <p:style>
+              <a:lnRef idx="1">
+                <a:schemeClr val="accent1"/>
+              </a:lnRef>
+              <a:fillRef idx="0">
+                <a:schemeClr val="accent1"/>
+              </a:fillRef>
+              <a:effectRef idx="0">
+                <a:schemeClr val="accent1"/>
+              </a:effectRef>
+              <a:fontRef idx="minor">
+                <a:schemeClr val="tx1"/>
+              </a:fontRef>
+            </p:style>
+          </p:cxnSp>
+          <p:cxnSp>
+            <p:nvCxnSpPr>
+              <p:cNvPr id="46" name="Straight Arrow Connector 45">
+                <a:extLst>
+                  <a:ext uri="{FF2B5EF4-FFF2-40B4-BE49-F238E27FC236}">
+                    <a16:creationId xmlns:a16="http://schemas.microsoft.com/office/drawing/2014/main" id="{952A1E47-FA1D-9B89-A273-8026B209A64A}"/>
+                  </a:ext>
+                </a:extLst>
+              </p:cNvPr>
+              <p:cNvCxnSpPr>
+                <a:cxnSpLocks/>
+              </p:cNvCxnSpPr>
+              <p:nvPr/>
+            </p:nvCxnSpPr>
+            <p:spPr>
+              <a:xfrm flipH="1" flipV="1">
+                <a:off x="2029607" y="4719811"/>
+                <a:ext cx="3694110" cy="687612"/>
+              </a:xfrm>
+              <a:prstGeom prst="straightConnector1">
+                <a:avLst/>
+              </a:prstGeom>
+              <a:ln w="76200">
+                <a:solidFill>
+                  <a:schemeClr val="accent6">
+                    <a:lumMod val="60000"/>
+                    <a:lumOff val="40000"/>
+                  </a:schemeClr>
+                </a:solidFill>
+                <a:tailEnd type="triangle"/>
+              </a:ln>
+            </p:spPr>
+            <p:style>
+              <a:lnRef idx="1">
+                <a:schemeClr val="accent1"/>
+              </a:lnRef>
+              <a:fillRef idx="0">
+                <a:schemeClr val="accent1"/>
+              </a:fillRef>
+              <a:effectRef idx="0">
+                <a:schemeClr val="accent1"/>
+              </a:effectRef>
+              <a:fontRef idx="minor">
+                <a:schemeClr val="tx1"/>
+              </a:fontRef>
+            </p:style>
+          </p:cxnSp>
           <p:sp>
             <p:nvSpPr>
               <p:cNvPr id="58" name="Rectangle 57">
@@ -19627,7 +20246,7 @@
             </p:nvSpPr>
             <p:spPr>
               <a:xfrm>
-                <a:off x="6289960" y="4700381"/>
+                <a:off x="5625727" y="5221297"/>
                 <a:ext cx="2268265" cy="717190"/>
               </a:xfrm>
               <a:prstGeom prst="rect">
@@ -19692,53 +20311,6 @@
               </a:p>
             </p:txBody>
           </p:sp>
-          <p:cxnSp>
-            <p:nvCxnSpPr>
-              <p:cNvPr id="59" name="Straight Arrow Connector 58">
-                <a:extLst>
-                  <a:ext uri="{FF2B5EF4-FFF2-40B4-BE49-F238E27FC236}">
-                    <a16:creationId xmlns:a16="http://schemas.microsoft.com/office/drawing/2014/main" id="{24268852-298C-4D44-1B5E-E15102276081}"/>
-                  </a:ext>
-                </a:extLst>
-              </p:cNvPr>
-              <p:cNvCxnSpPr>
-                <a:cxnSpLocks/>
-              </p:cNvCxnSpPr>
-              <p:nvPr/>
-            </p:nvCxnSpPr>
-            <p:spPr>
-              <a:xfrm flipH="1" flipV="1">
-                <a:off x="6660180" y="3785875"/>
-                <a:ext cx="883644" cy="1035506"/>
-              </a:xfrm>
-              <a:prstGeom prst="straightConnector1">
-                <a:avLst/>
-              </a:prstGeom>
-              <a:ln w="76200">
-                <a:solidFill>
-                  <a:schemeClr val="accent6">
-                    <a:lumMod val="60000"/>
-                    <a:lumOff val="40000"/>
-                  </a:schemeClr>
-                </a:solidFill>
-                <a:tailEnd type="triangle"/>
-              </a:ln>
-            </p:spPr>
-            <p:style>
-              <a:lnRef idx="1">
-                <a:schemeClr val="accent1"/>
-              </a:lnRef>
-              <a:fillRef idx="0">
-                <a:schemeClr val="accent1"/>
-              </a:fillRef>
-              <a:effectRef idx="0">
-                <a:schemeClr val="accent1"/>
-              </a:effectRef>
-              <a:fontRef idx="minor">
-                <a:schemeClr val="tx1"/>
-              </a:fontRef>
-            </p:style>
-          </p:cxnSp>
         </p:grpSp>
       </p:grpSp>
     </p:spTree>
@@ -19785,7 +20357,7 @@
                                           </p:stCondLst>
                                         </p:cTn>
                                         <p:tgtEl>
-                                          <p:spTgt spid="45"/>
+                                          <p:spTgt spid="10"/>
                                         </p:tgtEl>
                                         <p:attrNameLst>
                                           <p:attrName>style.visibility</p:attrName>
@@ -19799,7 +20371,7 @@
                                       <p:cBhvr additive="base">
                                         <p:cTn id="7" dur="500" fill="hold"/>
                                         <p:tgtEl>
-                                          <p:spTgt spid="45"/>
+                                          <p:spTgt spid="10"/>
                                         </p:tgtEl>
                                         <p:attrNameLst>
                                           <p:attrName>ppt_x</p:attrName>
@@ -19822,7 +20394,7 @@
                                       <p:cBhvr additive="base">
                                         <p:cTn id="8" dur="500" fill="hold"/>
                                         <p:tgtEl>
-                                          <p:spTgt spid="45"/>
+                                          <p:spTgt spid="10"/>
                                         </p:tgtEl>
                                         <p:attrNameLst>
                                           <p:attrName>ppt_y</p:attrName>
@@ -19876,7 +20448,7 @@
                                           </p:stCondLst>
                                         </p:cTn>
                                         <p:tgtEl>
-                                          <p:spTgt spid="47"/>
+                                          <p:spTgt spid="61"/>
                                         </p:tgtEl>
                                         <p:attrNameLst>
                                           <p:attrName>style.visibility</p:attrName>
@@ -19890,7 +20462,7 @@
                                       <p:cBhvr additive="base">
                                         <p:cTn id="13" dur="500" fill="hold"/>
                                         <p:tgtEl>
-                                          <p:spTgt spid="47"/>
+                                          <p:spTgt spid="61"/>
                                         </p:tgtEl>
                                         <p:attrNameLst>
                                           <p:attrName>ppt_x</p:attrName>
@@ -19913,7 +20485,7 @@
                                       <p:cBhvr additive="base">
                                         <p:cTn id="14" dur="500" fill="hold"/>
                                         <p:tgtEl>
-                                          <p:spTgt spid="47"/>
+                                          <p:spTgt spid="61"/>
                                         </p:tgtEl>
                                         <p:attrNameLst>
                                           <p:attrName>ppt_y</p:attrName>
@@ -19954,7 +20526,7 @@
                             </p:stCondLst>
                             <p:childTnLst>
                               <p:par>
-                                <p:cTn id="17" presetID="2" presetClass="entr" presetSubtype="4" fill="hold" nodeType="clickEffect">
+                                <p:cTn id="17" presetID="2" presetClass="entr" presetSubtype="2" fill="hold" nodeType="clickEffect">
                                   <p:stCondLst>
                                     <p:cond delay="0"/>
                                   </p:stCondLst>
@@ -19967,7 +20539,7 @@
                                           </p:stCondLst>
                                         </p:cTn>
                                         <p:tgtEl>
-                                          <p:spTgt spid="64"/>
+                                          <p:spTgt spid="53"/>
                                         </p:tgtEl>
                                         <p:attrNameLst>
                                           <p:attrName>style.visibility</p:attrName>
@@ -19981,7 +20553,7 @@
                                       <p:cBhvr additive="base">
                                         <p:cTn id="19" dur="500" fill="hold"/>
                                         <p:tgtEl>
-                                          <p:spTgt spid="64"/>
+                                          <p:spTgt spid="53"/>
                                         </p:tgtEl>
                                         <p:attrNameLst>
                                           <p:attrName>ppt_x</p:attrName>
@@ -19990,7 +20562,7 @@
                                       <p:tavLst>
                                         <p:tav tm="0">
                                           <p:val>
-                                            <p:strVal val="#ppt_x"/>
+                                            <p:strVal val="1+#ppt_w/2"/>
                                           </p:val>
                                         </p:tav>
                                         <p:tav tm="100000">
@@ -20004,7 +20576,7 @@
                                       <p:cBhvr additive="base">
                                         <p:cTn id="20" dur="500" fill="hold"/>
                                         <p:tgtEl>
-                                          <p:spTgt spid="64"/>
+                                          <p:spTgt spid="53"/>
                                         </p:tgtEl>
                                         <p:attrNameLst>
                                           <p:attrName>ppt_y</p:attrName>
@@ -20013,7 +20585,98 @@
                                       <p:tavLst>
                                         <p:tav tm="0">
                                           <p:val>
-                                            <p:strVal val="1+#ppt_h/2"/>
+                                            <p:strVal val="#ppt_y"/>
+                                          </p:val>
+                                        </p:tav>
+                                        <p:tav tm="100000">
+                                          <p:val>
+                                            <p:strVal val="#ppt_y"/>
+                                          </p:val>
+                                        </p:tav>
+                                      </p:tavLst>
+                                    </p:anim>
+                                  </p:childTnLst>
+                                </p:cTn>
+                              </p:par>
+                            </p:childTnLst>
+                          </p:cTn>
+                        </p:par>
+                      </p:childTnLst>
+                    </p:cTn>
+                  </p:par>
+                  <p:par>
+                    <p:cTn id="21" fill="hold">
+                      <p:stCondLst>
+                        <p:cond delay="indefinite"/>
+                      </p:stCondLst>
+                      <p:childTnLst>
+                        <p:par>
+                          <p:cTn id="22" fill="hold">
+                            <p:stCondLst>
+                              <p:cond delay="0"/>
+                            </p:stCondLst>
+                            <p:childTnLst>
+                              <p:par>
+                                <p:cTn id="23" presetID="2" presetClass="entr" presetSubtype="2" fill="hold" nodeType="clickEffect">
+                                  <p:stCondLst>
+                                    <p:cond delay="0"/>
+                                  </p:stCondLst>
+                                  <p:childTnLst>
+                                    <p:set>
+                                      <p:cBhvr>
+                                        <p:cTn id="24" dur="1" fill="hold">
+                                          <p:stCondLst>
+                                            <p:cond delay="0"/>
+                                          </p:stCondLst>
+                                        </p:cTn>
+                                        <p:tgtEl>
+                                          <p:spTgt spid="57"/>
+                                        </p:tgtEl>
+                                        <p:attrNameLst>
+                                          <p:attrName>style.visibility</p:attrName>
+                                        </p:attrNameLst>
+                                      </p:cBhvr>
+                                      <p:to>
+                                        <p:strVal val="visible"/>
+                                      </p:to>
+                                    </p:set>
+                                    <p:anim calcmode="lin" valueType="num">
+                                      <p:cBhvr additive="base">
+                                        <p:cTn id="25" dur="500" fill="hold"/>
+                                        <p:tgtEl>
+                                          <p:spTgt spid="57"/>
+                                        </p:tgtEl>
+                                        <p:attrNameLst>
+                                          <p:attrName>ppt_x</p:attrName>
+                                        </p:attrNameLst>
+                                      </p:cBhvr>
+                                      <p:tavLst>
+                                        <p:tav tm="0">
+                                          <p:val>
+                                            <p:strVal val="1+#ppt_w/2"/>
+                                          </p:val>
+                                        </p:tav>
+                                        <p:tav tm="100000">
+                                          <p:val>
+                                            <p:strVal val="#ppt_x"/>
+                                          </p:val>
+                                        </p:tav>
+                                      </p:tavLst>
+                                    </p:anim>
+                                    <p:anim calcmode="lin" valueType="num">
+                                      <p:cBhvr additive="base">
+                                        <p:cTn id="26" dur="500" fill="hold"/>
+                                        <p:tgtEl>
+                                          <p:spTgt spid="57"/>
+                                        </p:tgtEl>
+                                        <p:attrNameLst>
+                                          <p:attrName>ppt_y</p:attrName>
+                                        </p:attrNameLst>
+                                      </p:cBhvr>
+                                      <p:tavLst>
+                                        <p:tav tm="0">
+                                          <p:val>
+                                            <p:strVal val="#ppt_y"/>
                                           </p:val>
                                         </p:tav>
                                         <p:tav tm="100000">
@@ -21550,10 +22213,10 @@
       </p:grpSp>
       <p:grpSp>
         <p:nvGrpSpPr>
-          <p:cNvPr id="43" name="Group 42">
+          <p:cNvPr id="17" name="Group 16">
             <a:extLst>
               <a:ext uri="{FF2B5EF4-FFF2-40B4-BE49-F238E27FC236}">
-                <a16:creationId xmlns:a16="http://schemas.microsoft.com/office/drawing/2014/main" id="{87341220-7994-348D-A026-633269D156FC}"/>
+                <a16:creationId xmlns:a16="http://schemas.microsoft.com/office/drawing/2014/main" id="{A7DC60BC-90F2-1D2E-66BE-E18896287C39}"/>
               </a:ext>
             </a:extLst>
           </p:cNvPr>
@@ -21564,8 +22227,8 @@
           <a:xfrm>
             <a:off x="3828665" y="2304509"/>
             <a:ext cx="4876469" cy="4266379"/>
-            <a:chOff x="99895" y="2139581"/>
-            <a:chExt cx="5384635" cy="2038598"/>
+            <a:chOff x="3828665" y="2304509"/>
+            <a:chExt cx="4876469" cy="4266379"/>
           </a:xfrm>
         </p:grpSpPr>
         <p:sp>
@@ -21582,8 +22245,8 @@
           </p:nvSpPr>
           <p:spPr>
             <a:xfrm>
-              <a:off x="109467" y="2139581"/>
-              <a:ext cx="5375063" cy="2038598"/>
+              <a:off x="3837334" y="2304509"/>
+              <a:ext cx="4867800" cy="4266379"/>
             </a:xfrm>
             <a:prstGeom prst="rect">
               <a:avLst/>
@@ -21634,8 +22297,8 @@
           </p:nvSpPr>
           <p:spPr>
             <a:xfrm>
-              <a:off x="99895" y="2222472"/>
-              <a:ext cx="1876167" cy="204474"/>
+              <a:off x="3828665" y="2477983"/>
+              <a:ext cx="1699107" cy="427923"/>
             </a:xfrm>
             <a:prstGeom prst="rect">
               <a:avLst/>
@@ -21673,668 +22336,668 @@
             </a:p>
           </p:txBody>
         </p:sp>
+        <p:sp>
+          <p:nvSpPr>
+            <p:cNvPr id="67" name="TextBox 66">
+              <a:extLst>
+                <a:ext uri="{FF2B5EF4-FFF2-40B4-BE49-F238E27FC236}">
+                  <a16:creationId xmlns:a16="http://schemas.microsoft.com/office/drawing/2014/main" id="{BC11D571-D03A-37C1-030A-16F718CD2EC0}"/>
+                </a:ext>
+              </a:extLst>
+            </p:cNvPr>
+            <p:cNvSpPr txBox="1"/>
+            <p:nvPr/>
+          </p:nvSpPr>
+          <p:spPr>
+            <a:xfrm>
+              <a:off x="3898730" y="2759066"/>
+              <a:ext cx="4706790" cy="3693319"/>
+            </a:xfrm>
+            <a:prstGeom prst="rect">
+              <a:avLst/>
+            </a:prstGeom>
+            <a:noFill/>
+          </p:spPr>
+          <p:txBody>
+            <a:bodyPr wrap="square">
+              <a:spAutoFit/>
+            </a:bodyPr>
+            <a:lstStyle/>
+            <a:p>
+              <a:pPr>
+                <a:buNone/>
+              </a:pPr>
+              <a:r>
+                <a:rPr lang="en-US" dirty="0">
+                  <a:solidFill>
+                    <a:srgbClr val="5988A6"/>
+                  </a:solidFill>
+                  <a:latin typeface="Fira Code" pitchFamily="1" charset="0"/>
+                </a:rPr>
+                <a:t>&lt;</a:t>
+              </a:r>
+              <a:r>
+                <a:rPr lang="en-US" dirty="0">
+                  <a:solidFill>
+                    <a:srgbClr val="E66533"/>
+                  </a:solidFill>
+                  <a:latin typeface="Fira Code" pitchFamily="1" charset="0"/>
+                </a:rPr>
+                <a:t>meta</a:t>
+              </a:r>
+              <a:r>
+                <a:rPr lang="en-US" dirty="0">
+                  <a:solidFill>
+                    <a:srgbClr val="BECFDA"/>
+                  </a:solidFill>
+                  <a:latin typeface="Fira Code" pitchFamily="1" charset="0"/>
+                </a:rPr>
+                <a:t> </a:t>
+              </a:r>
+              <a:r>
+                <a:rPr lang="en-US" i="1" dirty="0">
+                  <a:solidFill>
+                    <a:srgbClr val="D5971A"/>
+                  </a:solidFill>
+                  <a:latin typeface="Fira Code" pitchFamily="1" charset="0"/>
+                </a:rPr>
+                <a:t>charset</a:t>
+              </a:r>
+              <a:r>
+                <a:rPr lang="en-US" b="1" dirty="0">
+                  <a:solidFill>
+                    <a:srgbClr val="BECFDA"/>
+                  </a:solidFill>
+                  <a:latin typeface="Fira Code" pitchFamily="1" charset="0"/>
+                </a:rPr>
+                <a:t>=</a:t>
+              </a:r>
+              <a:r>
+                <a:rPr lang="en-US" dirty="0">
+                  <a:solidFill>
+                    <a:srgbClr val="49E9A6"/>
+                  </a:solidFill>
+                  <a:latin typeface="Fira Code" pitchFamily="1" charset="0"/>
+                </a:rPr>
+                <a:t>"UTF-8"</a:t>
+              </a:r>
+              <a:r>
+                <a:rPr lang="en-US" dirty="0">
+                  <a:solidFill>
+                    <a:srgbClr val="BECFDA"/>
+                  </a:solidFill>
+                  <a:latin typeface="Fira Code" pitchFamily="1" charset="0"/>
+                </a:rPr>
+                <a:t> </a:t>
+              </a:r>
+              <a:r>
+                <a:rPr lang="en-US" dirty="0">
+                  <a:solidFill>
+                    <a:srgbClr val="5988A6"/>
+                  </a:solidFill>
+                  <a:latin typeface="Fira Code" pitchFamily="1" charset="0"/>
+                </a:rPr>
+                <a:t>/&gt;</a:t>
+              </a:r>
+              <a:endParaRPr lang="en-US" dirty="0">
+                <a:solidFill>
+                  <a:srgbClr val="BECFDA"/>
+                </a:solidFill>
+                <a:latin typeface="Fira Code" pitchFamily="1" charset="0"/>
+              </a:endParaRPr>
+            </a:p>
+            <a:p>
+              <a:pPr>
+                <a:buNone/>
+              </a:pPr>
+              <a:r>
+                <a:rPr lang="en-US" dirty="0">
+                  <a:solidFill>
+                    <a:srgbClr val="5988A6"/>
+                  </a:solidFill>
+                  <a:latin typeface="Fira Code" pitchFamily="1" charset="0"/>
+                </a:rPr>
+                <a:t>&lt;</a:t>
+              </a:r>
+              <a:r>
+                <a:rPr lang="en-US" dirty="0">
+                  <a:solidFill>
+                    <a:srgbClr val="E66533"/>
+                  </a:solidFill>
+                  <a:latin typeface="Fira Code" pitchFamily="1" charset="0"/>
+                </a:rPr>
+                <a:t>meta</a:t>
+              </a:r>
+              <a:r>
+                <a:rPr lang="en-US" dirty="0">
+                  <a:solidFill>
+                    <a:srgbClr val="BECFDA"/>
+                  </a:solidFill>
+                  <a:latin typeface="Fira Code" pitchFamily="1" charset="0"/>
+                </a:rPr>
+                <a:t> </a:t>
+              </a:r>
+              <a:r>
+                <a:rPr lang="en-US" i="1" dirty="0">
+                  <a:solidFill>
+                    <a:srgbClr val="D5971A"/>
+                  </a:solidFill>
+                  <a:latin typeface="Fira Code" pitchFamily="1" charset="0"/>
+                </a:rPr>
+                <a:t>name</a:t>
+              </a:r>
+              <a:r>
+                <a:rPr lang="en-US" b="1" dirty="0">
+                  <a:solidFill>
+                    <a:srgbClr val="BECFDA"/>
+                  </a:solidFill>
+                  <a:latin typeface="Fira Code" pitchFamily="1" charset="0"/>
+                </a:rPr>
+                <a:t>=</a:t>
+              </a:r>
+              <a:r>
+                <a:rPr lang="en-US" dirty="0">
+                  <a:solidFill>
+                    <a:srgbClr val="49E9A6"/>
+                  </a:solidFill>
+                  <a:latin typeface="Fira Code" pitchFamily="1" charset="0"/>
+                </a:rPr>
+                <a:t>“description”</a:t>
+              </a:r>
+              <a:r>
+                <a:rPr lang="en-US" dirty="0">
+                  <a:solidFill>
+                    <a:srgbClr val="BECFDA"/>
+                  </a:solidFill>
+                  <a:latin typeface="Fira Code" pitchFamily="1" charset="0"/>
+                </a:rPr>
+                <a:t> </a:t>
+              </a:r>
+              <a:r>
+                <a:rPr lang="en-US" i="1" dirty="0">
+                  <a:solidFill>
+                    <a:srgbClr val="D5971A"/>
+                  </a:solidFill>
+                  <a:latin typeface="Fira Code" pitchFamily="1" charset="0"/>
+                </a:rPr>
+                <a:t>content</a:t>
+              </a:r>
+              <a:r>
+                <a:rPr lang="en-US" b="1" dirty="0">
+                  <a:solidFill>
+                    <a:srgbClr val="BECFDA"/>
+                  </a:solidFill>
+                  <a:latin typeface="Fira Code" pitchFamily="1" charset="0"/>
+                </a:rPr>
+                <a:t>=</a:t>
+              </a:r>
+              <a:r>
+                <a:rPr lang="en-US" dirty="0">
+                  <a:solidFill>
+                    <a:srgbClr val="49E9A6"/>
+                  </a:solidFill>
+                  <a:latin typeface="Fira Code" pitchFamily="1" charset="0"/>
+                </a:rPr>
+                <a:t>“tutorial-web-programming”</a:t>
+              </a:r>
+              <a:r>
+                <a:rPr lang="en-US" dirty="0">
+                  <a:solidFill>
+                    <a:srgbClr val="5988A6"/>
+                  </a:solidFill>
+                  <a:latin typeface="Fira Code" pitchFamily="1" charset="0"/>
+                </a:rPr>
+                <a:t>&gt;&lt;/</a:t>
+              </a:r>
+              <a:r>
+                <a:rPr lang="en-US" dirty="0">
+                  <a:solidFill>
+                    <a:srgbClr val="E66533"/>
+                  </a:solidFill>
+                  <a:latin typeface="Fira Code" pitchFamily="1" charset="0"/>
+                </a:rPr>
+                <a:t>meta</a:t>
+              </a:r>
+              <a:r>
+                <a:rPr lang="en-US" dirty="0">
+                  <a:solidFill>
+                    <a:srgbClr val="5988A6"/>
+                  </a:solidFill>
+                  <a:latin typeface="Fira Code" pitchFamily="1" charset="0"/>
+                </a:rPr>
+                <a:t>&gt;</a:t>
+              </a:r>
+              <a:endParaRPr lang="en-US" dirty="0">
+                <a:solidFill>
+                  <a:srgbClr val="BECFDA"/>
+                </a:solidFill>
+                <a:latin typeface="Fira Code" pitchFamily="1" charset="0"/>
+              </a:endParaRPr>
+            </a:p>
+            <a:p>
+              <a:pPr>
+                <a:buNone/>
+              </a:pPr>
+              <a:r>
+                <a:rPr lang="en-US" dirty="0">
+                  <a:solidFill>
+                    <a:srgbClr val="5988A6"/>
+                  </a:solidFill>
+                  <a:latin typeface="Fira Code" pitchFamily="1" charset="0"/>
+                </a:rPr>
+                <a:t>&lt;</a:t>
+              </a:r>
+              <a:r>
+                <a:rPr lang="en-US" dirty="0">
+                  <a:solidFill>
+                    <a:srgbClr val="E66533"/>
+                  </a:solidFill>
+                  <a:latin typeface="Fira Code" pitchFamily="1" charset="0"/>
+                </a:rPr>
+                <a:t>meta</a:t>
+              </a:r>
+              <a:r>
+                <a:rPr lang="en-US" dirty="0">
+                  <a:solidFill>
+                    <a:srgbClr val="BECFDA"/>
+                  </a:solidFill>
+                  <a:latin typeface="Fira Code" pitchFamily="1" charset="0"/>
+                </a:rPr>
+                <a:t> </a:t>
+              </a:r>
+              <a:r>
+                <a:rPr lang="en-US" i="1" dirty="0">
+                  <a:solidFill>
+                    <a:srgbClr val="D5971A"/>
+                  </a:solidFill>
+                  <a:latin typeface="Fira Code" pitchFamily="1" charset="0"/>
+                </a:rPr>
+                <a:t>name</a:t>
+              </a:r>
+              <a:r>
+                <a:rPr lang="en-US" b="1" dirty="0">
+                  <a:solidFill>
+                    <a:srgbClr val="BECFDA"/>
+                  </a:solidFill>
+                  <a:latin typeface="Fira Code" pitchFamily="1" charset="0"/>
+                </a:rPr>
+                <a:t>=</a:t>
+              </a:r>
+              <a:r>
+                <a:rPr lang="en-US" dirty="0">
+                  <a:solidFill>
+                    <a:srgbClr val="49E9A6"/>
+                  </a:solidFill>
+                  <a:latin typeface="Fira Code" pitchFamily="1" charset="0"/>
+                </a:rPr>
+                <a:t>"viewport"</a:t>
+              </a:r>
+              <a:r>
+                <a:rPr lang="en-US" dirty="0">
+                  <a:solidFill>
+                    <a:srgbClr val="BECFDA"/>
+                  </a:solidFill>
+                  <a:latin typeface="Fira Code" pitchFamily="1" charset="0"/>
+                </a:rPr>
+                <a:t> </a:t>
+              </a:r>
+              <a:r>
+                <a:rPr lang="en-US" i="1" dirty="0">
+                  <a:solidFill>
+                    <a:srgbClr val="D5971A"/>
+                  </a:solidFill>
+                  <a:latin typeface="Fira Code" pitchFamily="1" charset="0"/>
+                </a:rPr>
+                <a:t>content</a:t>
+              </a:r>
+              <a:r>
+                <a:rPr lang="en-US" b="1" dirty="0">
+                  <a:solidFill>
+                    <a:srgbClr val="BECFDA"/>
+                  </a:solidFill>
+                  <a:latin typeface="Fira Code" pitchFamily="1" charset="0"/>
+                </a:rPr>
+                <a:t>=</a:t>
+              </a:r>
+              <a:r>
+                <a:rPr lang="en-US" dirty="0">
+                  <a:solidFill>
+                    <a:srgbClr val="49E9A6"/>
+                  </a:solidFill>
+                  <a:latin typeface="Fira Code" pitchFamily="1" charset="0"/>
+                </a:rPr>
+                <a:t>"width=device-width, initial-scale=1.0"</a:t>
+              </a:r>
+              <a:r>
+                <a:rPr lang="en-US" dirty="0">
+                  <a:solidFill>
+                    <a:srgbClr val="BECFDA"/>
+                  </a:solidFill>
+                  <a:latin typeface="Fira Code" pitchFamily="1" charset="0"/>
+                </a:rPr>
+                <a:t> </a:t>
+              </a:r>
+              <a:r>
+                <a:rPr lang="en-US" dirty="0">
+                  <a:solidFill>
+                    <a:srgbClr val="5988A6"/>
+                  </a:solidFill>
+                  <a:latin typeface="Fira Code" pitchFamily="1" charset="0"/>
+                </a:rPr>
+                <a:t>/&gt;</a:t>
+              </a:r>
+              <a:endParaRPr lang="en-US" dirty="0">
+                <a:solidFill>
+                  <a:srgbClr val="BECFDA"/>
+                </a:solidFill>
+                <a:latin typeface="Fira Code" pitchFamily="1" charset="0"/>
+              </a:endParaRPr>
+            </a:p>
+            <a:p>
+              <a:pPr>
+                <a:buNone/>
+              </a:pPr>
+              <a:r>
+                <a:rPr lang="en-US" dirty="0">
+                  <a:solidFill>
+                    <a:srgbClr val="5988A6"/>
+                  </a:solidFill>
+                  <a:latin typeface="Fira Code" pitchFamily="1" charset="0"/>
+                </a:rPr>
+                <a:t>&lt;</a:t>
+              </a:r>
+              <a:r>
+                <a:rPr lang="en-US" dirty="0">
+                  <a:solidFill>
+                    <a:srgbClr val="E66533"/>
+                  </a:solidFill>
+                  <a:latin typeface="Fira Code" pitchFamily="1" charset="0"/>
+                </a:rPr>
+                <a:t>meta</a:t>
+              </a:r>
+              <a:r>
+                <a:rPr lang="en-US" dirty="0">
+                  <a:solidFill>
+                    <a:srgbClr val="BECFDA"/>
+                  </a:solidFill>
+                  <a:latin typeface="Fira Code" pitchFamily="1" charset="0"/>
+                </a:rPr>
+                <a:t> </a:t>
+              </a:r>
+              <a:r>
+                <a:rPr lang="en-US" i="1" dirty="0">
+                  <a:solidFill>
+                    <a:srgbClr val="D5971A"/>
+                  </a:solidFill>
+                  <a:latin typeface="Fira Code" pitchFamily="1" charset="0"/>
+                </a:rPr>
+                <a:t>name</a:t>
+              </a:r>
+              <a:r>
+                <a:rPr lang="en-US" b="1" dirty="0">
+                  <a:solidFill>
+                    <a:srgbClr val="BECFDA"/>
+                  </a:solidFill>
+                  <a:latin typeface="Fira Code" pitchFamily="1" charset="0"/>
+                </a:rPr>
+                <a:t>=</a:t>
+              </a:r>
+              <a:r>
+                <a:rPr lang="en-US" dirty="0">
+                  <a:solidFill>
+                    <a:srgbClr val="49E9A6"/>
+                  </a:solidFill>
+                  <a:latin typeface="Fira Code" pitchFamily="1" charset="0"/>
+                </a:rPr>
+                <a:t>“keywords”</a:t>
+              </a:r>
+              <a:r>
+                <a:rPr lang="en-US" dirty="0">
+                  <a:solidFill>
+                    <a:srgbClr val="BECFDA"/>
+                  </a:solidFill>
+                  <a:latin typeface="Fira Code" pitchFamily="1" charset="0"/>
+                </a:rPr>
+                <a:t> </a:t>
+              </a:r>
+              <a:r>
+                <a:rPr lang="en-US" i="1" dirty="0">
+                  <a:solidFill>
+                    <a:srgbClr val="D5971A"/>
+                  </a:solidFill>
+                  <a:latin typeface="Fira Code" pitchFamily="1" charset="0"/>
+                </a:rPr>
+                <a:t>content</a:t>
+              </a:r>
+              <a:r>
+                <a:rPr lang="en-US" b="1" dirty="0">
+                  <a:solidFill>
+                    <a:srgbClr val="BECFDA"/>
+                  </a:solidFill>
+                  <a:latin typeface="Fira Code" pitchFamily="1" charset="0"/>
+                </a:rPr>
+                <a:t>=</a:t>
+              </a:r>
+              <a:r>
+                <a:rPr lang="en-US" dirty="0">
+                  <a:solidFill>
+                    <a:srgbClr val="49E9A6"/>
+                  </a:solidFill>
+                  <a:latin typeface="Fira Code" pitchFamily="1" charset="0"/>
+                </a:rPr>
+                <a:t>“html-</a:t>
+              </a:r>
+              <a:r>
+                <a:rPr lang="en-US" dirty="0" err="1">
+                  <a:solidFill>
+                    <a:srgbClr val="49E9A6"/>
+                  </a:solidFill>
+                  <a:latin typeface="Fira Code" pitchFamily="1" charset="0"/>
+                </a:rPr>
+                <a:t>css</a:t>
+              </a:r>
+              <a:r>
+                <a:rPr lang="en-US" dirty="0">
+                  <a:solidFill>
+                    <a:srgbClr val="49E9A6"/>
+                  </a:solidFill>
+                  <a:latin typeface="Fira Code" pitchFamily="1" charset="0"/>
+                </a:rPr>
+                <a:t>-</a:t>
+              </a:r>
+              <a:r>
+                <a:rPr lang="en-US" dirty="0" err="1">
+                  <a:solidFill>
+                    <a:srgbClr val="49E9A6"/>
+                  </a:solidFill>
+                  <a:latin typeface="Fira Code" pitchFamily="1" charset="0"/>
+                </a:rPr>
+                <a:t>js</a:t>
+              </a:r>
+              <a:r>
+                <a:rPr lang="en-US" dirty="0">
+                  <a:solidFill>
+                    <a:srgbClr val="49E9A6"/>
+                  </a:solidFill>
+                  <a:latin typeface="Fira Code" pitchFamily="1" charset="0"/>
+                </a:rPr>
+                <a:t>-react”</a:t>
+              </a:r>
+              <a:r>
+                <a:rPr lang="en-US" dirty="0">
+                  <a:solidFill>
+                    <a:srgbClr val="5988A6"/>
+                  </a:solidFill>
+                  <a:latin typeface="Fira Code" pitchFamily="1" charset="0"/>
+                </a:rPr>
+                <a:t>&gt;&lt;/</a:t>
+              </a:r>
+              <a:r>
+                <a:rPr lang="en-US" dirty="0">
+                  <a:solidFill>
+                    <a:srgbClr val="E66533"/>
+                  </a:solidFill>
+                  <a:latin typeface="Fira Code" pitchFamily="1" charset="0"/>
+                </a:rPr>
+                <a:t>meta</a:t>
+              </a:r>
+              <a:r>
+                <a:rPr lang="en-US" dirty="0">
+                  <a:solidFill>
+                    <a:srgbClr val="5988A6"/>
+                  </a:solidFill>
+                  <a:latin typeface="Fira Code" pitchFamily="1" charset="0"/>
+                </a:rPr>
+                <a:t>&gt;</a:t>
+              </a:r>
+              <a:endParaRPr lang="en-US" dirty="0">
+                <a:solidFill>
+                  <a:srgbClr val="BECFDA"/>
+                </a:solidFill>
+                <a:latin typeface="Fira Code" pitchFamily="1" charset="0"/>
+              </a:endParaRPr>
+            </a:p>
+            <a:p>
+              <a:pPr>
+                <a:buNone/>
+              </a:pPr>
+              <a:r>
+                <a:rPr lang="en-US" dirty="0">
+                  <a:solidFill>
+                    <a:srgbClr val="5988A6"/>
+                  </a:solidFill>
+                  <a:latin typeface="Fira Code" pitchFamily="1" charset="0"/>
+                </a:rPr>
+                <a:t>&lt;</a:t>
+              </a:r>
+              <a:r>
+                <a:rPr lang="en-US" dirty="0">
+                  <a:solidFill>
+                    <a:srgbClr val="E66533"/>
+                  </a:solidFill>
+                  <a:latin typeface="Fira Code" pitchFamily="1" charset="0"/>
+                </a:rPr>
+                <a:t>meta</a:t>
+              </a:r>
+              <a:r>
+                <a:rPr lang="en-US" dirty="0">
+                  <a:solidFill>
+                    <a:srgbClr val="BECFDA"/>
+                  </a:solidFill>
+                  <a:latin typeface="Fira Code" pitchFamily="1" charset="0"/>
+                </a:rPr>
+                <a:t> </a:t>
+              </a:r>
+              <a:r>
+                <a:rPr lang="en-US" i="1" dirty="0">
+                  <a:solidFill>
+                    <a:srgbClr val="D5971A"/>
+                  </a:solidFill>
+                  <a:latin typeface="Fira Code" pitchFamily="1" charset="0"/>
+                </a:rPr>
+                <a:t>name</a:t>
+              </a:r>
+              <a:r>
+                <a:rPr lang="en-US" b="1" dirty="0">
+                  <a:solidFill>
+                    <a:srgbClr val="BECFDA"/>
+                  </a:solidFill>
+                  <a:latin typeface="Fira Code" pitchFamily="1" charset="0"/>
+                </a:rPr>
+                <a:t>=</a:t>
+              </a:r>
+              <a:r>
+                <a:rPr lang="en-US" dirty="0">
+                  <a:solidFill>
+                    <a:srgbClr val="49E9A6"/>
+                  </a:solidFill>
+                  <a:latin typeface="Fira Code" pitchFamily="1" charset="0"/>
+                </a:rPr>
+                <a:t>“author”</a:t>
+              </a:r>
+              <a:r>
+                <a:rPr lang="en-US" dirty="0">
+                  <a:solidFill>
+                    <a:srgbClr val="BECFDA"/>
+                  </a:solidFill>
+                  <a:latin typeface="Fira Code" pitchFamily="1" charset="0"/>
+                </a:rPr>
+                <a:t> </a:t>
+              </a:r>
+              <a:r>
+                <a:rPr lang="en-US" i="1" dirty="0">
+                  <a:solidFill>
+                    <a:srgbClr val="D5971A"/>
+                  </a:solidFill>
+                  <a:latin typeface="Fira Code" pitchFamily="1" charset="0"/>
+                </a:rPr>
+                <a:t>content</a:t>
+              </a:r>
+              <a:r>
+                <a:rPr lang="en-US" b="1" dirty="0">
+                  <a:solidFill>
+                    <a:srgbClr val="BECFDA"/>
+                  </a:solidFill>
+                  <a:latin typeface="Fira Code" pitchFamily="1" charset="0"/>
+                </a:rPr>
+                <a:t>=</a:t>
+              </a:r>
+              <a:r>
+                <a:rPr lang="en-US" dirty="0" err="1">
+                  <a:solidFill>
+                    <a:srgbClr val="49E9A6"/>
+                  </a:solidFill>
+                  <a:latin typeface="Fira Code" pitchFamily="1" charset="0"/>
+                </a:rPr>
+                <a:t>josse-surya-pinem</a:t>
+              </a:r>
+              <a:r>
+                <a:rPr lang="en-US" dirty="0">
+                  <a:solidFill>
+                    <a:srgbClr val="49E9A6"/>
+                  </a:solidFill>
+                  <a:latin typeface="Fira Code" pitchFamily="1" charset="0"/>
+                </a:rPr>
+                <a:t>”</a:t>
+              </a:r>
+              <a:r>
+                <a:rPr lang="en-US" dirty="0">
+                  <a:solidFill>
+                    <a:srgbClr val="5988A6"/>
+                  </a:solidFill>
+                  <a:latin typeface="Fira Code" pitchFamily="1" charset="0"/>
+                </a:rPr>
+                <a:t>&gt;&lt;/</a:t>
+              </a:r>
+              <a:r>
+                <a:rPr lang="en-US" dirty="0">
+                  <a:solidFill>
+                    <a:srgbClr val="E66533"/>
+                  </a:solidFill>
+                  <a:latin typeface="Fira Code" pitchFamily="1" charset="0"/>
+                </a:rPr>
+                <a:t>meta</a:t>
+              </a:r>
+              <a:r>
+                <a:rPr lang="en-US" dirty="0">
+                  <a:solidFill>
+                    <a:srgbClr val="5988A6"/>
+                  </a:solidFill>
+                  <a:latin typeface="Fira Code" pitchFamily="1" charset="0"/>
+                </a:rPr>
+                <a:t>&gt;</a:t>
+              </a:r>
+              <a:endParaRPr lang="en-US" b="0" dirty="0">
+                <a:solidFill>
+                  <a:srgbClr val="BECFDA"/>
+                </a:solidFill>
+                <a:effectLst/>
+                <a:latin typeface="Fira Code" pitchFamily="1" charset="0"/>
+              </a:endParaRPr>
+            </a:p>
+          </p:txBody>
+        </p:sp>
       </p:grpSp>
-      <p:sp>
-        <p:nvSpPr>
-          <p:cNvPr id="67" name="TextBox 66">
-            <a:extLst>
-              <a:ext uri="{FF2B5EF4-FFF2-40B4-BE49-F238E27FC236}">
-                <a16:creationId xmlns:a16="http://schemas.microsoft.com/office/drawing/2014/main" id="{BC11D571-D03A-37C1-030A-16F718CD2EC0}"/>
-              </a:ext>
-            </a:extLst>
-          </p:cNvPr>
-          <p:cNvSpPr txBox="1"/>
-          <p:nvPr/>
-        </p:nvSpPr>
-        <p:spPr>
-          <a:xfrm>
-            <a:off x="3898730" y="2759066"/>
-            <a:ext cx="4706790" cy="3693319"/>
-          </a:xfrm>
-          <a:prstGeom prst="rect">
-            <a:avLst/>
-          </a:prstGeom>
-          <a:noFill/>
-        </p:spPr>
-        <p:txBody>
-          <a:bodyPr wrap="square">
-            <a:spAutoFit/>
-          </a:bodyPr>
-          <a:lstStyle/>
-          <a:p>
-            <a:pPr>
-              <a:buNone/>
-            </a:pPr>
-            <a:r>
-              <a:rPr lang="en-US" dirty="0">
-                <a:solidFill>
-                  <a:srgbClr val="5988A6"/>
-                </a:solidFill>
-                <a:latin typeface="Fira Code" pitchFamily="1" charset="0"/>
-              </a:rPr>
-              <a:t>&lt;</a:t>
-            </a:r>
-            <a:r>
-              <a:rPr lang="en-US" dirty="0">
-                <a:solidFill>
-                  <a:srgbClr val="E66533"/>
-                </a:solidFill>
-                <a:latin typeface="Fira Code" pitchFamily="1" charset="0"/>
-              </a:rPr>
-              <a:t>meta</a:t>
-            </a:r>
-            <a:r>
-              <a:rPr lang="en-US" dirty="0">
-                <a:solidFill>
-                  <a:srgbClr val="BECFDA"/>
-                </a:solidFill>
-                <a:latin typeface="Fira Code" pitchFamily="1" charset="0"/>
-              </a:rPr>
-              <a:t> </a:t>
-            </a:r>
-            <a:r>
-              <a:rPr lang="en-US" i="1" dirty="0">
-                <a:solidFill>
-                  <a:srgbClr val="D5971A"/>
-                </a:solidFill>
-                <a:latin typeface="Fira Code" pitchFamily="1" charset="0"/>
-              </a:rPr>
-              <a:t>charset</a:t>
-            </a:r>
-            <a:r>
-              <a:rPr lang="en-US" b="1" dirty="0">
-                <a:solidFill>
-                  <a:srgbClr val="BECFDA"/>
-                </a:solidFill>
-                <a:latin typeface="Fira Code" pitchFamily="1" charset="0"/>
-              </a:rPr>
-              <a:t>=</a:t>
-            </a:r>
-            <a:r>
-              <a:rPr lang="en-US" dirty="0">
-                <a:solidFill>
-                  <a:srgbClr val="49E9A6"/>
-                </a:solidFill>
-                <a:latin typeface="Fira Code" pitchFamily="1" charset="0"/>
-              </a:rPr>
-              <a:t>"UTF-8"</a:t>
-            </a:r>
-            <a:r>
-              <a:rPr lang="en-US" dirty="0">
-                <a:solidFill>
-                  <a:srgbClr val="BECFDA"/>
-                </a:solidFill>
-                <a:latin typeface="Fira Code" pitchFamily="1" charset="0"/>
-              </a:rPr>
-              <a:t> </a:t>
-            </a:r>
-            <a:r>
-              <a:rPr lang="en-US" dirty="0">
-                <a:solidFill>
-                  <a:srgbClr val="5988A6"/>
-                </a:solidFill>
-                <a:latin typeface="Fira Code" pitchFamily="1" charset="0"/>
-              </a:rPr>
-              <a:t>/&gt;</a:t>
-            </a:r>
-            <a:endParaRPr lang="en-US" dirty="0">
-              <a:solidFill>
-                <a:srgbClr val="BECFDA"/>
-              </a:solidFill>
-              <a:latin typeface="Fira Code" pitchFamily="1" charset="0"/>
-            </a:endParaRPr>
-          </a:p>
-          <a:p>
-            <a:pPr>
-              <a:buNone/>
-            </a:pPr>
-            <a:r>
-              <a:rPr lang="en-US" dirty="0">
-                <a:solidFill>
-                  <a:srgbClr val="5988A6"/>
-                </a:solidFill>
-                <a:latin typeface="Fira Code" pitchFamily="1" charset="0"/>
-              </a:rPr>
-              <a:t>&lt;</a:t>
-            </a:r>
-            <a:r>
-              <a:rPr lang="en-US" dirty="0">
-                <a:solidFill>
-                  <a:srgbClr val="E66533"/>
-                </a:solidFill>
-                <a:latin typeface="Fira Code" pitchFamily="1" charset="0"/>
-              </a:rPr>
-              <a:t>meta</a:t>
-            </a:r>
-            <a:r>
-              <a:rPr lang="en-US" dirty="0">
-                <a:solidFill>
-                  <a:srgbClr val="BECFDA"/>
-                </a:solidFill>
-                <a:latin typeface="Fira Code" pitchFamily="1" charset="0"/>
-              </a:rPr>
-              <a:t> </a:t>
-            </a:r>
-            <a:r>
-              <a:rPr lang="en-US" i="1" dirty="0">
-                <a:solidFill>
-                  <a:srgbClr val="D5971A"/>
-                </a:solidFill>
-                <a:latin typeface="Fira Code" pitchFamily="1" charset="0"/>
-              </a:rPr>
-              <a:t>name</a:t>
-            </a:r>
-            <a:r>
-              <a:rPr lang="en-US" b="1" dirty="0">
-                <a:solidFill>
-                  <a:srgbClr val="BECFDA"/>
-                </a:solidFill>
-                <a:latin typeface="Fira Code" pitchFamily="1" charset="0"/>
-              </a:rPr>
-              <a:t>=</a:t>
-            </a:r>
-            <a:r>
-              <a:rPr lang="en-US" dirty="0">
-                <a:solidFill>
-                  <a:srgbClr val="49E9A6"/>
-                </a:solidFill>
-                <a:latin typeface="Fira Code" pitchFamily="1" charset="0"/>
-              </a:rPr>
-              <a:t>“description”</a:t>
-            </a:r>
-            <a:r>
-              <a:rPr lang="en-US" dirty="0">
-                <a:solidFill>
-                  <a:srgbClr val="BECFDA"/>
-                </a:solidFill>
-                <a:latin typeface="Fira Code" pitchFamily="1" charset="0"/>
-              </a:rPr>
-              <a:t> </a:t>
-            </a:r>
-            <a:r>
-              <a:rPr lang="en-US" i="1" dirty="0">
-                <a:solidFill>
-                  <a:srgbClr val="D5971A"/>
-                </a:solidFill>
-                <a:latin typeface="Fira Code" pitchFamily="1" charset="0"/>
-              </a:rPr>
-              <a:t>content</a:t>
-            </a:r>
-            <a:r>
-              <a:rPr lang="en-US" b="1" dirty="0">
-                <a:solidFill>
-                  <a:srgbClr val="BECFDA"/>
-                </a:solidFill>
-                <a:latin typeface="Fira Code" pitchFamily="1" charset="0"/>
-              </a:rPr>
-              <a:t>=</a:t>
-            </a:r>
-            <a:r>
-              <a:rPr lang="en-US" dirty="0">
-                <a:solidFill>
-                  <a:srgbClr val="49E9A6"/>
-                </a:solidFill>
-                <a:latin typeface="Fira Code" pitchFamily="1" charset="0"/>
-              </a:rPr>
-              <a:t>“tutorial-web-programming”</a:t>
-            </a:r>
-            <a:r>
-              <a:rPr lang="en-US" dirty="0">
-                <a:solidFill>
-                  <a:srgbClr val="5988A6"/>
-                </a:solidFill>
-                <a:latin typeface="Fira Code" pitchFamily="1" charset="0"/>
-              </a:rPr>
-              <a:t>&gt;&lt;/</a:t>
-            </a:r>
-            <a:r>
-              <a:rPr lang="en-US" dirty="0">
-                <a:solidFill>
-                  <a:srgbClr val="E66533"/>
-                </a:solidFill>
-                <a:latin typeface="Fira Code" pitchFamily="1" charset="0"/>
-              </a:rPr>
-              <a:t>meta</a:t>
-            </a:r>
-            <a:r>
-              <a:rPr lang="en-US" dirty="0">
-                <a:solidFill>
-                  <a:srgbClr val="5988A6"/>
-                </a:solidFill>
-                <a:latin typeface="Fira Code" pitchFamily="1" charset="0"/>
-              </a:rPr>
-              <a:t>&gt;</a:t>
-            </a:r>
-            <a:endParaRPr lang="en-US" dirty="0">
-              <a:solidFill>
-                <a:srgbClr val="BECFDA"/>
-              </a:solidFill>
-              <a:latin typeface="Fira Code" pitchFamily="1" charset="0"/>
-            </a:endParaRPr>
-          </a:p>
-          <a:p>
-            <a:pPr>
-              <a:buNone/>
-            </a:pPr>
-            <a:r>
-              <a:rPr lang="en-US" dirty="0">
-                <a:solidFill>
-                  <a:srgbClr val="5988A6"/>
-                </a:solidFill>
-                <a:latin typeface="Fira Code" pitchFamily="1" charset="0"/>
-              </a:rPr>
-              <a:t>&lt;</a:t>
-            </a:r>
-            <a:r>
-              <a:rPr lang="en-US" dirty="0">
-                <a:solidFill>
-                  <a:srgbClr val="E66533"/>
-                </a:solidFill>
-                <a:latin typeface="Fira Code" pitchFamily="1" charset="0"/>
-              </a:rPr>
-              <a:t>meta</a:t>
-            </a:r>
-            <a:r>
-              <a:rPr lang="en-US" dirty="0">
-                <a:solidFill>
-                  <a:srgbClr val="BECFDA"/>
-                </a:solidFill>
-                <a:latin typeface="Fira Code" pitchFamily="1" charset="0"/>
-              </a:rPr>
-              <a:t> </a:t>
-            </a:r>
-            <a:r>
-              <a:rPr lang="en-US" i="1" dirty="0">
-                <a:solidFill>
-                  <a:srgbClr val="D5971A"/>
-                </a:solidFill>
-                <a:latin typeface="Fira Code" pitchFamily="1" charset="0"/>
-              </a:rPr>
-              <a:t>name</a:t>
-            </a:r>
-            <a:r>
-              <a:rPr lang="en-US" b="1" dirty="0">
-                <a:solidFill>
-                  <a:srgbClr val="BECFDA"/>
-                </a:solidFill>
-                <a:latin typeface="Fira Code" pitchFamily="1" charset="0"/>
-              </a:rPr>
-              <a:t>=</a:t>
-            </a:r>
-            <a:r>
-              <a:rPr lang="en-US" dirty="0">
-                <a:solidFill>
-                  <a:srgbClr val="49E9A6"/>
-                </a:solidFill>
-                <a:latin typeface="Fira Code" pitchFamily="1" charset="0"/>
-              </a:rPr>
-              <a:t>"viewport"</a:t>
-            </a:r>
-            <a:r>
-              <a:rPr lang="en-US" dirty="0">
-                <a:solidFill>
-                  <a:srgbClr val="BECFDA"/>
-                </a:solidFill>
-                <a:latin typeface="Fira Code" pitchFamily="1" charset="0"/>
-              </a:rPr>
-              <a:t> </a:t>
-            </a:r>
-            <a:r>
-              <a:rPr lang="en-US" i="1" dirty="0">
-                <a:solidFill>
-                  <a:srgbClr val="D5971A"/>
-                </a:solidFill>
-                <a:latin typeface="Fira Code" pitchFamily="1" charset="0"/>
-              </a:rPr>
-              <a:t>content</a:t>
-            </a:r>
-            <a:r>
-              <a:rPr lang="en-US" b="1" dirty="0">
-                <a:solidFill>
-                  <a:srgbClr val="BECFDA"/>
-                </a:solidFill>
-                <a:latin typeface="Fira Code" pitchFamily="1" charset="0"/>
-              </a:rPr>
-              <a:t>=</a:t>
-            </a:r>
-            <a:r>
-              <a:rPr lang="en-US" dirty="0">
-                <a:solidFill>
-                  <a:srgbClr val="49E9A6"/>
-                </a:solidFill>
-                <a:latin typeface="Fira Code" pitchFamily="1" charset="0"/>
-              </a:rPr>
-              <a:t>"width=device-width, initial-scale=1.0"</a:t>
-            </a:r>
-            <a:r>
-              <a:rPr lang="en-US" dirty="0">
-                <a:solidFill>
-                  <a:srgbClr val="BECFDA"/>
-                </a:solidFill>
-                <a:latin typeface="Fira Code" pitchFamily="1" charset="0"/>
-              </a:rPr>
-              <a:t> </a:t>
-            </a:r>
-            <a:r>
-              <a:rPr lang="en-US" dirty="0">
-                <a:solidFill>
-                  <a:srgbClr val="5988A6"/>
-                </a:solidFill>
-                <a:latin typeface="Fira Code" pitchFamily="1" charset="0"/>
-              </a:rPr>
-              <a:t>/&gt;</a:t>
-            </a:r>
-            <a:endParaRPr lang="en-US" dirty="0">
-              <a:solidFill>
-                <a:srgbClr val="BECFDA"/>
-              </a:solidFill>
-              <a:latin typeface="Fira Code" pitchFamily="1" charset="0"/>
-            </a:endParaRPr>
-          </a:p>
-          <a:p>
-            <a:pPr>
-              <a:buNone/>
-            </a:pPr>
-            <a:r>
-              <a:rPr lang="en-US" dirty="0">
-                <a:solidFill>
-                  <a:srgbClr val="5988A6"/>
-                </a:solidFill>
-                <a:latin typeface="Fira Code" pitchFamily="1" charset="0"/>
-              </a:rPr>
-              <a:t>&lt;</a:t>
-            </a:r>
-            <a:r>
-              <a:rPr lang="en-US" dirty="0">
-                <a:solidFill>
-                  <a:srgbClr val="E66533"/>
-                </a:solidFill>
-                <a:latin typeface="Fira Code" pitchFamily="1" charset="0"/>
-              </a:rPr>
-              <a:t>meta</a:t>
-            </a:r>
-            <a:r>
-              <a:rPr lang="en-US" dirty="0">
-                <a:solidFill>
-                  <a:srgbClr val="BECFDA"/>
-                </a:solidFill>
-                <a:latin typeface="Fira Code" pitchFamily="1" charset="0"/>
-              </a:rPr>
-              <a:t> </a:t>
-            </a:r>
-            <a:r>
-              <a:rPr lang="en-US" i="1" dirty="0">
-                <a:solidFill>
-                  <a:srgbClr val="D5971A"/>
-                </a:solidFill>
-                <a:latin typeface="Fira Code" pitchFamily="1" charset="0"/>
-              </a:rPr>
-              <a:t>name</a:t>
-            </a:r>
-            <a:r>
-              <a:rPr lang="en-US" b="1" dirty="0">
-                <a:solidFill>
-                  <a:srgbClr val="BECFDA"/>
-                </a:solidFill>
-                <a:latin typeface="Fira Code" pitchFamily="1" charset="0"/>
-              </a:rPr>
-              <a:t>=</a:t>
-            </a:r>
-            <a:r>
-              <a:rPr lang="en-US" dirty="0">
-                <a:solidFill>
-                  <a:srgbClr val="49E9A6"/>
-                </a:solidFill>
-                <a:latin typeface="Fira Code" pitchFamily="1" charset="0"/>
-              </a:rPr>
-              <a:t>“keywords”</a:t>
-            </a:r>
-            <a:r>
-              <a:rPr lang="en-US" dirty="0">
-                <a:solidFill>
-                  <a:srgbClr val="BECFDA"/>
-                </a:solidFill>
-                <a:latin typeface="Fira Code" pitchFamily="1" charset="0"/>
-              </a:rPr>
-              <a:t> </a:t>
-            </a:r>
-            <a:r>
-              <a:rPr lang="en-US" i="1" dirty="0">
-                <a:solidFill>
-                  <a:srgbClr val="D5971A"/>
-                </a:solidFill>
-                <a:latin typeface="Fira Code" pitchFamily="1" charset="0"/>
-              </a:rPr>
-              <a:t>content</a:t>
-            </a:r>
-            <a:r>
-              <a:rPr lang="en-US" b="1" dirty="0">
-                <a:solidFill>
-                  <a:srgbClr val="BECFDA"/>
-                </a:solidFill>
-                <a:latin typeface="Fira Code" pitchFamily="1" charset="0"/>
-              </a:rPr>
-              <a:t>=</a:t>
-            </a:r>
-            <a:r>
-              <a:rPr lang="en-US" dirty="0">
-                <a:solidFill>
-                  <a:srgbClr val="49E9A6"/>
-                </a:solidFill>
-                <a:latin typeface="Fira Code" pitchFamily="1" charset="0"/>
-              </a:rPr>
-              <a:t>“html-</a:t>
-            </a:r>
-            <a:r>
-              <a:rPr lang="en-US" dirty="0" err="1">
-                <a:solidFill>
-                  <a:srgbClr val="49E9A6"/>
-                </a:solidFill>
-                <a:latin typeface="Fira Code" pitchFamily="1" charset="0"/>
-              </a:rPr>
-              <a:t>css</a:t>
-            </a:r>
-            <a:r>
-              <a:rPr lang="en-US" dirty="0">
-                <a:solidFill>
-                  <a:srgbClr val="49E9A6"/>
-                </a:solidFill>
-                <a:latin typeface="Fira Code" pitchFamily="1" charset="0"/>
-              </a:rPr>
-              <a:t>-</a:t>
-            </a:r>
-            <a:r>
-              <a:rPr lang="en-US" dirty="0" err="1">
-                <a:solidFill>
-                  <a:srgbClr val="49E9A6"/>
-                </a:solidFill>
-                <a:latin typeface="Fira Code" pitchFamily="1" charset="0"/>
-              </a:rPr>
-              <a:t>js</a:t>
-            </a:r>
-            <a:r>
-              <a:rPr lang="en-US" dirty="0">
-                <a:solidFill>
-                  <a:srgbClr val="49E9A6"/>
-                </a:solidFill>
-                <a:latin typeface="Fira Code" pitchFamily="1" charset="0"/>
-              </a:rPr>
-              <a:t>-react”</a:t>
-            </a:r>
-            <a:r>
-              <a:rPr lang="en-US" dirty="0">
-                <a:solidFill>
-                  <a:srgbClr val="5988A6"/>
-                </a:solidFill>
-                <a:latin typeface="Fira Code" pitchFamily="1" charset="0"/>
-              </a:rPr>
-              <a:t>&gt;&lt;/</a:t>
-            </a:r>
-            <a:r>
-              <a:rPr lang="en-US" dirty="0">
-                <a:solidFill>
-                  <a:srgbClr val="E66533"/>
-                </a:solidFill>
-                <a:latin typeface="Fira Code" pitchFamily="1" charset="0"/>
-              </a:rPr>
-              <a:t>meta</a:t>
-            </a:r>
-            <a:r>
-              <a:rPr lang="en-US" dirty="0">
-                <a:solidFill>
-                  <a:srgbClr val="5988A6"/>
-                </a:solidFill>
-                <a:latin typeface="Fira Code" pitchFamily="1" charset="0"/>
-              </a:rPr>
-              <a:t>&gt;</a:t>
-            </a:r>
-            <a:endParaRPr lang="en-US" dirty="0">
-              <a:solidFill>
-                <a:srgbClr val="BECFDA"/>
-              </a:solidFill>
-              <a:latin typeface="Fira Code" pitchFamily="1" charset="0"/>
-            </a:endParaRPr>
-          </a:p>
-          <a:p>
-            <a:pPr>
-              <a:buNone/>
-            </a:pPr>
-            <a:r>
-              <a:rPr lang="en-US" dirty="0">
-                <a:solidFill>
-                  <a:srgbClr val="5988A6"/>
-                </a:solidFill>
-                <a:latin typeface="Fira Code" pitchFamily="1" charset="0"/>
-              </a:rPr>
-              <a:t>&lt;</a:t>
-            </a:r>
-            <a:r>
-              <a:rPr lang="en-US" dirty="0">
-                <a:solidFill>
-                  <a:srgbClr val="E66533"/>
-                </a:solidFill>
-                <a:latin typeface="Fira Code" pitchFamily="1" charset="0"/>
-              </a:rPr>
-              <a:t>meta</a:t>
-            </a:r>
-            <a:r>
-              <a:rPr lang="en-US" dirty="0">
-                <a:solidFill>
-                  <a:srgbClr val="BECFDA"/>
-                </a:solidFill>
-                <a:latin typeface="Fira Code" pitchFamily="1" charset="0"/>
-              </a:rPr>
-              <a:t> </a:t>
-            </a:r>
-            <a:r>
-              <a:rPr lang="en-US" i="1" dirty="0">
-                <a:solidFill>
-                  <a:srgbClr val="D5971A"/>
-                </a:solidFill>
-                <a:latin typeface="Fira Code" pitchFamily="1" charset="0"/>
-              </a:rPr>
-              <a:t>name</a:t>
-            </a:r>
-            <a:r>
-              <a:rPr lang="en-US" b="1" dirty="0">
-                <a:solidFill>
-                  <a:srgbClr val="BECFDA"/>
-                </a:solidFill>
-                <a:latin typeface="Fira Code" pitchFamily="1" charset="0"/>
-              </a:rPr>
-              <a:t>=</a:t>
-            </a:r>
-            <a:r>
-              <a:rPr lang="en-US" dirty="0">
-                <a:solidFill>
-                  <a:srgbClr val="49E9A6"/>
-                </a:solidFill>
-                <a:latin typeface="Fira Code" pitchFamily="1" charset="0"/>
-              </a:rPr>
-              <a:t>“author”</a:t>
-            </a:r>
-            <a:r>
-              <a:rPr lang="en-US" dirty="0">
-                <a:solidFill>
-                  <a:srgbClr val="BECFDA"/>
-                </a:solidFill>
-                <a:latin typeface="Fira Code" pitchFamily="1" charset="0"/>
-              </a:rPr>
-              <a:t> </a:t>
-            </a:r>
-            <a:r>
-              <a:rPr lang="en-US" i="1" dirty="0">
-                <a:solidFill>
-                  <a:srgbClr val="D5971A"/>
-                </a:solidFill>
-                <a:latin typeface="Fira Code" pitchFamily="1" charset="0"/>
-              </a:rPr>
-              <a:t>content</a:t>
-            </a:r>
-            <a:r>
-              <a:rPr lang="en-US" b="1" dirty="0">
-                <a:solidFill>
-                  <a:srgbClr val="BECFDA"/>
-                </a:solidFill>
-                <a:latin typeface="Fira Code" pitchFamily="1" charset="0"/>
-              </a:rPr>
-              <a:t>=</a:t>
-            </a:r>
-            <a:r>
-              <a:rPr lang="en-US" dirty="0" err="1">
-                <a:solidFill>
-                  <a:srgbClr val="49E9A6"/>
-                </a:solidFill>
-                <a:latin typeface="Fira Code" pitchFamily="1" charset="0"/>
-              </a:rPr>
-              <a:t>josse-surya-pinem</a:t>
-            </a:r>
-            <a:r>
-              <a:rPr lang="en-US" dirty="0">
-                <a:solidFill>
-                  <a:srgbClr val="49E9A6"/>
-                </a:solidFill>
-                <a:latin typeface="Fira Code" pitchFamily="1" charset="0"/>
-              </a:rPr>
-              <a:t>”</a:t>
-            </a:r>
-            <a:r>
-              <a:rPr lang="en-US" dirty="0">
-                <a:solidFill>
-                  <a:srgbClr val="5988A6"/>
-                </a:solidFill>
-                <a:latin typeface="Fira Code" pitchFamily="1" charset="0"/>
-              </a:rPr>
-              <a:t>&gt;&lt;/</a:t>
-            </a:r>
-            <a:r>
-              <a:rPr lang="en-US" dirty="0">
-                <a:solidFill>
-                  <a:srgbClr val="E66533"/>
-                </a:solidFill>
-                <a:latin typeface="Fira Code" pitchFamily="1" charset="0"/>
-              </a:rPr>
-              <a:t>meta</a:t>
-            </a:r>
-            <a:r>
-              <a:rPr lang="en-US" dirty="0">
-                <a:solidFill>
-                  <a:srgbClr val="5988A6"/>
-                </a:solidFill>
-                <a:latin typeface="Fira Code" pitchFamily="1" charset="0"/>
-              </a:rPr>
-              <a:t>&gt;</a:t>
-            </a:r>
-            <a:endParaRPr lang="en-US" b="0" dirty="0">
-              <a:solidFill>
-                <a:srgbClr val="BECFDA"/>
-              </a:solidFill>
-              <a:effectLst/>
-              <a:latin typeface="Fira Code" pitchFamily="1" charset="0"/>
-            </a:endParaRPr>
-          </a:p>
-        </p:txBody>
-      </p:sp>
     </p:spTree>
     <p:extLst>
       <p:ext uri="{BB962C8B-B14F-4D97-AF65-F5344CB8AC3E}">
@@ -22345,6 +23008,456 @@
   <p:clrMapOvr>
     <a:masterClrMapping/>
   </p:clrMapOvr>
+  <p:timing>
+    <p:tnLst>
+      <p:par>
+        <p:cTn id="1" dur="indefinite" restart="never" nodeType="tmRoot">
+          <p:childTnLst>
+            <p:seq concurrent="1" nextAc="seek">
+              <p:cTn id="2" dur="indefinite" nodeType="mainSeq">
+                <p:childTnLst>
+                  <p:par>
+                    <p:cTn id="3" fill="hold">
+                      <p:stCondLst>
+                        <p:cond delay="indefinite"/>
+                      </p:stCondLst>
+                      <p:childTnLst>
+                        <p:par>
+                          <p:cTn id="4" fill="hold">
+                            <p:stCondLst>
+                              <p:cond delay="0"/>
+                            </p:stCondLst>
+                            <p:childTnLst>
+                              <p:par>
+                                <p:cTn id="5" presetID="2" presetClass="entr" presetSubtype="8" fill="hold" grpId="0" nodeType="clickEffect">
+                                  <p:stCondLst>
+                                    <p:cond delay="0"/>
+                                  </p:stCondLst>
+                                  <p:childTnLst>
+                                    <p:set>
+                                      <p:cBhvr>
+                                        <p:cTn id="6" dur="1" fill="hold">
+                                          <p:stCondLst>
+                                            <p:cond delay="0"/>
+                                          </p:stCondLst>
+                                        </p:cTn>
+                                        <p:tgtEl>
+                                          <p:spTgt spid="3"/>
+                                        </p:tgtEl>
+                                        <p:attrNameLst>
+                                          <p:attrName>style.visibility</p:attrName>
+                                        </p:attrNameLst>
+                                      </p:cBhvr>
+                                      <p:to>
+                                        <p:strVal val="visible"/>
+                                      </p:to>
+                                    </p:set>
+                                    <p:anim calcmode="lin" valueType="num">
+                                      <p:cBhvr additive="base">
+                                        <p:cTn id="7" dur="500" fill="hold"/>
+                                        <p:tgtEl>
+                                          <p:spTgt spid="3"/>
+                                        </p:tgtEl>
+                                        <p:attrNameLst>
+                                          <p:attrName>ppt_x</p:attrName>
+                                        </p:attrNameLst>
+                                      </p:cBhvr>
+                                      <p:tavLst>
+                                        <p:tav tm="0">
+                                          <p:val>
+                                            <p:strVal val="0-#ppt_w/2"/>
+                                          </p:val>
+                                        </p:tav>
+                                        <p:tav tm="100000">
+                                          <p:val>
+                                            <p:strVal val="#ppt_x"/>
+                                          </p:val>
+                                        </p:tav>
+                                      </p:tavLst>
+                                    </p:anim>
+                                    <p:anim calcmode="lin" valueType="num">
+                                      <p:cBhvr additive="base">
+                                        <p:cTn id="8" dur="500" fill="hold"/>
+                                        <p:tgtEl>
+                                          <p:spTgt spid="3"/>
+                                        </p:tgtEl>
+                                        <p:attrNameLst>
+                                          <p:attrName>ppt_y</p:attrName>
+                                        </p:attrNameLst>
+                                      </p:cBhvr>
+                                      <p:tavLst>
+                                        <p:tav tm="0">
+                                          <p:val>
+                                            <p:strVal val="#ppt_y"/>
+                                          </p:val>
+                                        </p:tav>
+                                        <p:tav tm="100000">
+                                          <p:val>
+                                            <p:strVal val="#ppt_y"/>
+                                          </p:val>
+                                        </p:tav>
+                                      </p:tavLst>
+                                    </p:anim>
+                                  </p:childTnLst>
+                                </p:cTn>
+                              </p:par>
+                            </p:childTnLst>
+                          </p:cTn>
+                        </p:par>
+                      </p:childTnLst>
+                    </p:cTn>
+                  </p:par>
+                  <p:par>
+                    <p:cTn id="9" fill="hold">
+                      <p:stCondLst>
+                        <p:cond delay="indefinite"/>
+                      </p:stCondLst>
+                      <p:childTnLst>
+                        <p:par>
+                          <p:cTn id="10" fill="hold">
+                            <p:stCondLst>
+                              <p:cond delay="0"/>
+                            </p:stCondLst>
+                            <p:childTnLst>
+                              <p:par>
+                                <p:cTn id="11" presetID="2" presetClass="entr" presetSubtype="8" fill="hold" nodeType="clickEffect">
+                                  <p:stCondLst>
+                                    <p:cond delay="0"/>
+                                  </p:stCondLst>
+                                  <p:childTnLst>
+                                    <p:set>
+                                      <p:cBhvr>
+                                        <p:cTn id="12" dur="1" fill="hold">
+                                          <p:stCondLst>
+                                            <p:cond delay="0"/>
+                                          </p:stCondLst>
+                                        </p:cTn>
+                                        <p:tgtEl>
+                                          <p:spTgt spid="27"/>
+                                        </p:tgtEl>
+                                        <p:attrNameLst>
+                                          <p:attrName>style.visibility</p:attrName>
+                                        </p:attrNameLst>
+                                      </p:cBhvr>
+                                      <p:to>
+                                        <p:strVal val="visible"/>
+                                      </p:to>
+                                    </p:set>
+                                    <p:anim calcmode="lin" valueType="num">
+                                      <p:cBhvr additive="base">
+                                        <p:cTn id="13" dur="500" fill="hold"/>
+                                        <p:tgtEl>
+                                          <p:spTgt spid="27"/>
+                                        </p:tgtEl>
+                                        <p:attrNameLst>
+                                          <p:attrName>ppt_x</p:attrName>
+                                        </p:attrNameLst>
+                                      </p:cBhvr>
+                                      <p:tavLst>
+                                        <p:tav tm="0">
+                                          <p:val>
+                                            <p:strVal val="0-#ppt_w/2"/>
+                                          </p:val>
+                                        </p:tav>
+                                        <p:tav tm="100000">
+                                          <p:val>
+                                            <p:strVal val="#ppt_x"/>
+                                          </p:val>
+                                        </p:tav>
+                                      </p:tavLst>
+                                    </p:anim>
+                                    <p:anim calcmode="lin" valueType="num">
+                                      <p:cBhvr additive="base">
+                                        <p:cTn id="14" dur="500" fill="hold"/>
+                                        <p:tgtEl>
+                                          <p:spTgt spid="27"/>
+                                        </p:tgtEl>
+                                        <p:attrNameLst>
+                                          <p:attrName>ppt_y</p:attrName>
+                                        </p:attrNameLst>
+                                      </p:cBhvr>
+                                      <p:tavLst>
+                                        <p:tav tm="0">
+                                          <p:val>
+                                            <p:strVal val="#ppt_y"/>
+                                          </p:val>
+                                        </p:tav>
+                                        <p:tav tm="100000">
+                                          <p:val>
+                                            <p:strVal val="#ppt_y"/>
+                                          </p:val>
+                                        </p:tav>
+                                      </p:tavLst>
+                                    </p:anim>
+                                  </p:childTnLst>
+                                </p:cTn>
+                              </p:par>
+                            </p:childTnLst>
+                          </p:cTn>
+                        </p:par>
+                      </p:childTnLst>
+                    </p:cTn>
+                  </p:par>
+                  <p:par>
+                    <p:cTn id="15" fill="hold">
+                      <p:stCondLst>
+                        <p:cond delay="indefinite"/>
+                      </p:stCondLst>
+                      <p:childTnLst>
+                        <p:par>
+                          <p:cTn id="16" fill="hold">
+                            <p:stCondLst>
+                              <p:cond delay="0"/>
+                            </p:stCondLst>
+                            <p:childTnLst>
+                              <p:par>
+                                <p:cTn id="17" presetID="2" presetClass="entr" presetSubtype="8" fill="hold" nodeType="clickEffect">
+                                  <p:stCondLst>
+                                    <p:cond delay="0"/>
+                                  </p:stCondLst>
+                                  <p:childTnLst>
+                                    <p:set>
+                                      <p:cBhvr>
+                                        <p:cTn id="18" dur="1" fill="hold">
+                                          <p:stCondLst>
+                                            <p:cond delay="0"/>
+                                          </p:stCondLst>
+                                        </p:cTn>
+                                        <p:tgtEl>
+                                          <p:spTgt spid="34"/>
+                                        </p:tgtEl>
+                                        <p:attrNameLst>
+                                          <p:attrName>style.visibility</p:attrName>
+                                        </p:attrNameLst>
+                                      </p:cBhvr>
+                                      <p:to>
+                                        <p:strVal val="visible"/>
+                                      </p:to>
+                                    </p:set>
+                                    <p:anim calcmode="lin" valueType="num">
+                                      <p:cBhvr additive="base">
+                                        <p:cTn id="19" dur="500" fill="hold"/>
+                                        <p:tgtEl>
+                                          <p:spTgt spid="34"/>
+                                        </p:tgtEl>
+                                        <p:attrNameLst>
+                                          <p:attrName>ppt_x</p:attrName>
+                                        </p:attrNameLst>
+                                      </p:cBhvr>
+                                      <p:tavLst>
+                                        <p:tav tm="0">
+                                          <p:val>
+                                            <p:strVal val="0-#ppt_w/2"/>
+                                          </p:val>
+                                        </p:tav>
+                                        <p:tav tm="100000">
+                                          <p:val>
+                                            <p:strVal val="#ppt_x"/>
+                                          </p:val>
+                                        </p:tav>
+                                      </p:tavLst>
+                                    </p:anim>
+                                    <p:anim calcmode="lin" valueType="num">
+                                      <p:cBhvr additive="base">
+                                        <p:cTn id="20" dur="500" fill="hold"/>
+                                        <p:tgtEl>
+                                          <p:spTgt spid="34"/>
+                                        </p:tgtEl>
+                                        <p:attrNameLst>
+                                          <p:attrName>ppt_y</p:attrName>
+                                        </p:attrNameLst>
+                                      </p:cBhvr>
+                                      <p:tavLst>
+                                        <p:tav tm="0">
+                                          <p:val>
+                                            <p:strVal val="#ppt_y"/>
+                                          </p:val>
+                                        </p:tav>
+                                        <p:tav tm="100000">
+                                          <p:val>
+                                            <p:strVal val="#ppt_y"/>
+                                          </p:val>
+                                        </p:tav>
+                                      </p:tavLst>
+                                    </p:anim>
+                                  </p:childTnLst>
+                                </p:cTn>
+                              </p:par>
+                            </p:childTnLst>
+                          </p:cTn>
+                        </p:par>
+                      </p:childTnLst>
+                    </p:cTn>
+                  </p:par>
+                  <p:par>
+                    <p:cTn id="21" fill="hold">
+                      <p:stCondLst>
+                        <p:cond delay="indefinite"/>
+                      </p:stCondLst>
+                      <p:childTnLst>
+                        <p:par>
+                          <p:cTn id="22" fill="hold">
+                            <p:stCondLst>
+                              <p:cond delay="0"/>
+                            </p:stCondLst>
+                            <p:childTnLst>
+                              <p:par>
+                                <p:cTn id="23" presetID="2" presetClass="entr" presetSubtype="8" fill="hold" nodeType="clickEffect">
+                                  <p:stCondLst>
+                                    <p:cond delay="0"/>
+                                  </p:stCondLst>
+                                  <p:childTnLst>
+                                    <p:set>
+                                      <p:cBhvr>
+                                        <p:cTn id="24" dur="1" fill="hold">
+                                          <p:stCondLst>
+                                            <p:cond delay="0"/>
+                                          </p:stCondLst>
+                                        </p:cTn>
+                                        <p:tgtEl>
+                                          <p:spTgt spid="39"/>
+                                        </p:tgtEl>
+                                        <p:attrNameLst>
+                                          <p:attrName>style.visibility</p:attrName>
+                                        </p:attrNameLst>
+                                      </p:cBhvr>
+                                      <p:to>
+                                        <p:strVal val="visible"/>
+                                      </p:to>
+                                    </p:set>
+                                    <p:anim calcmode="lin" valueType="num">
+                                      <p:cBhvr additive="base">
+                                        <p:cTn id="25" dur="500" fill="hold"/>
+                                        <p:tgtEl>
+                                          <p:spTgt spid="39"/>
+                                        </p:tgtEl>
+                                        <p:attrNameLst>
+                                          <p:attrName>ppt_x</p:attrName>
+                                        </p:attrNameLst>
+                                      </p:cBhvr>
+                                      <p:tavLst>
+                                        <p:tav tm="0">
+                                          <p:val>
+                                            <p:strVal val="0-#ppt_w/2"/>
+                                          </p:val>
+                                        </p:tav>
+                                        <p:tav tm="100000">
+                                          <p:val>
+                                            <p:strVal val="#ppt_x"/>
+                                          </p:val>
+                                        </p:tav>
+                                      </p:tavLst>
+                                    </p:anim>
+                                    <p:anim calcmode="lin" valueType="num">
+                                      <p:cBhvr additive="base">
+                                        <p:cTn id="26" dur="500" fill="hold"/>
+                                        <p:tgtEl>
+                                          <p:spTgt spid="39"/>
+                                        </p:tgtEl>
+                                        <p:attrNameLst>
+                                          <p:attrName>ppt_y</p:attrName>
+                                        </p:attrNameLst>
+                                      </p:cBhvr>
+                                      <p:tavLst>
+                                        <p:tav tm="0">
+                                          <p:val>
+                                            <p:strVal val="#ppt_y"/>
+                                          </p:val>
+                                        </p:tav>
+                                        <p:tav tm="100000">
+                                          <p:val>
+                                            <p:strVal val="#ppt_y"/>
+                                          </p:val>
+                                        </p:tav>
+                                      </p:tavLst>
+                                    </p:anim>
+                                  </p:childTnLst>
+                                </p:cTn>
+                              </p:par>
+                            </p:childTnLst>
+                          </p:cTn>
+                        </p:par>
+                      </p:childTnLst>
+                    </p:cTn>
+                  </p:par>
+                  <p:par>
+                    <p:cTn id="27" fill="hold">
+                      <p:stCondLst>
+                        <p:cond delay="indefinite"/>
+                      </p:stCondLst>
+                      <p:childTnLst>
+                        <p:par>
+                          <p:cTn id="28" fill="hold">
+                            <p:stCondLst>
+                              <p:cond delay="0"/>
+                            </p:stCondLst>
+                            <p:childTnLst>
+                              <p:par>
+                                <p:cTn id="29" presetID="6" presetClass="entr" presetSubtype="16" fill="hold" nodeType="clickEffect">
+                                  <p:stCondLst>
+                                    <p:cond delay="0"/>
+                                  </p:stCondLst>
+                                  <p:childTnLst>
+                                    <p:set>
+                                      <p:cBhvr>
+                                        <p:cTn id="30" dur="1" fill="hold">
+                                          <p:stCondLst>
+                                            <p:cond delay="0"/>
+                                          </p:stCondLst>
+                                        </p:cTn>
+                                        <p:tgtEl>
+                                          <p:spTgt spid="17"/>
+                                        </p:tgtEl>
+                                        <p:attrNameLst>
+                                          <p:attrName>style.visibility</p:attrName>
+                                        </p:attrNameLst>
+                                      </p:cBhvr>
+                                      <p:to>
+                                        <p:strVal val="visible"/>
+                                      </p:to>
+                                    </p:set>
+                                    <p:animEffect transition="in" filter="circle(in)">
+                                      <p:cBhvr>
+                                        <p:cTn id="31" dur="2000"/>
+                                        <p:tgtEl>
+                                          <p:spTgt spid="17"/>
+                                        </p:tgtEl>
+                                      </p:cBhvr>
+                                    </p:animEffect>
+                                  </p:childTnLst>
+                                </p:cTn>
+                              </p:par>
+                            </p:childTnLst>
+                          </p:cTn>
+                        </p:par>
+                      </p:childTnLst>
+                    </p:cTn>
+                  </p:par>
+                </p:childTnLst>
+              </p:cTn>
+              <p:prevCondLst>
+                <p:cond evt="onPrev" delay="0">
+                  <p:tgtEl>
+                    <p:sldTgt/>
+                  </p:tgtEl>
+                </p:cond>
+              </p:prevCondLst>
+              <p:nextCondLst>
+                <p:cond evt="onNext" delay="0">
+                  <p:tgtEl>
+                    <p:sldTgt/>
+                  </p:tgtEl>
+                </p:cond>
+              </p:nextCondLst>
+            </p:seq>
+          </p:childTnLst>
+        </p:cTn>
+      </p:par>
+    </p:tnLst>
+    <p:bldLst>
+      <p:bldP spid="3" grpId="0" animBg="1"/>
+    </p:bldLst>
+  </p:timing>
 </p:sld>
 </file>
 
